--- a/SCV 24 기획안.pptx
+++ b/SCV 24 기획안.pptx
@@ -275,7 +275,7 @@
           <a:p>
             <a:fld id="{5B65694D-18AE-4730-B44F-7338E876E40B}" type="datetimeFigureOut">
               <a:rPr lang="ko-KR" altLang="en-US" smtClean="0"/>
-              <a:t>2021-01-12(Tue)</a:t>
+              <a:t>2021-01-13(Wed)</a:t>
             </a:fld>
             <a:endParaRPr lang="ko-KR" altLang="en-US"/>
           </a:p>
@@ -473,7 +473,7 @@
           <a:p>
             <a:fld id="{5B65694D-18AE-4730-B44F-7338E876E40B}" type="datetimeFigureOut">
               <a:rPr lang="ko-KR" altLang="en-US" smtClean="0"/>
-              <a:t>2021-01-12(Tue)</a:t>
+              <a:t>2021-01-13(Wed)</a:t>
             </a:fld>
             <a:endParaRPr lang="ko-KR" altLang="en-US"/>
           </a:p>
@@ -681,7 +681,7 @@
           <a:p>
             <a:fld id="{5B65694D-18AE-4730-B44F-7338E876E40B}" type="datetimeFigureOut">
               <a:rPr lang="ko-KR" altLang="en-US" smtClean="0"/>
-              <a:t>2021-01-12(Tue)</a:t>
+              <a:t>2021-01-13(Wed)</a:t>
             </a:fld>
             <a:endParaRPr lang="ko-KR" altLang="en-US"/>
           </a:p>
@@ -879,7 +879,7 @@
           <a:p>
             <a:fld id="{5B65694D-18AE-4730-B44F-7338E876E40B}" type="datetimeFigureOut">
               <a:rPr lang="ko-KR" altLang="en-US" smtClean="0"/>
-              <a:t>2021-01-12(Tue)</a:t>
+              <a:t>2021-01-13(Wed)</a:t>
             </a:fld>
             <a:endParaRPr lang="ko-KR" altLang="en-US"/>
           </a:p>
@@ -1154,7 +1154,7 @@
           <a:p>
             <a:fld id="{5B65694D-18AE-4730-B44F-7338E876E40B}" type="datetimeFigureOut">
               <a:rPr lang="ko-KR" altLang="en-US" smtClean="0"/>
-              <a:t>2021-01-12(Tue)</a:t>
+              <a:t>2021-01-13(Wed)</a:t>
             </a:fld>
             <a:endParaRPr lang="ko-KR" altLang="en-US"/>
           </a:p>
@@ -1419,7 +1419,7 @@
           <a:p>
             <a:fld id="{5B65694D-18AE-4730-B44F-7338E876E40B}" type="datetimeFigureOut">
               <a:rPr lang="ko-KR" altLang="en-US" smtClean="0"/>
-              <a:t>2021-01-12(Tue)</a:t>
+              <a:t>2021-01-13(Wed)</a:t>
             </a:fld>
             <a:endParaRPr lang="ko-KR" altLang="en-US"/>
           </a:p>
@@ -1831,7 +1831,7 @@
           <a:p>
             <a:fld id="{5B65694D-18AE-4730-B44F-7338E876E40B}" type="datetimeFigureOut">
               <a:rPr lang="ko-KR" altLang="en-US" smtClean="0"/>
-              <a:t>2021-01-12(Tue)</a:t>
+              <a:t>2021-01-13(Wed)</a:t>
             </a:fld>
             <a:endParaRPr lang="ko-KR" altLang="en-US"/>
           </a:p>
@@ -1972,7 +1972,7 @@
           <a:p>
             <a:fld id="{5B65694D-18AE-4730-B44F-7338E876E40B}" type="datetimeFigureOut">
               <a:rPr lang="ko-KR" altLang="en-US" smtClean="0"/>
-              <a:t>2021-01-12(Tue)</a:t>
+              <a:t>2021-01-13(Wed)</a:t>
             </a:fld>
             <a:endParaRPr lang="ko-KR" altLang="en-US"/>
           </a:p>
@@ -2085,7 +2085,7 @@
           <a:p>
             <a:fld id="{5B65694D-18AE-4730-B44F-7338E876E40B}" type="datetimeFigureOut">
               <a:rPr lang="ko-KR" altLang="en-US" smtClean="0"/>
-              <a:t>2021-01-12(Tue)</a:t>
+              <a:t>2021-01-13(Wed)</a:t>
             </a:fld>
             <a:endParaRPr lang="ko-KR" altLang="en-US"/>
           </a:p>
@@ -2396,7 +2396,7 @@
           <a:p>
             <a:fld id="{5B65694D-18AE-4730-B44F-7338E876E40B}" type="datetimeFigureOut">
               <a:rPr lang="ko-KR" altLang="en-US" smtClean="0"/>
-              <a:t>2021-01-12(Tue)</a:t>
+              <a:t>2021-01-13(Wed)</a:t>
             </a:fld>
             <a:endParaRPr lang="ko-KR" altLang="en-US"/>
           </a:p>
@@ -2684,7 +2684,7 @@
           <a:p>
             <a:fld id="{5B65694D-18AE-4730-B44F-7338E876E40B}" type="datetimeFigureOut">
               <a:rPr lang="ko-KR" altLang="en-US" smtClean="0"/>
-              <a:t>2021-01-12(Tue)</a:t>
+              <a:t>2021-01-13(Wed)</a:t>
             </a:fld>
             <a:endParaRPr lang="ko-KR" altLang="en-US"/>
           </a:p>
@@ -2925,7 +2925,7 @@
           <a:p>
             <a:fld id="{5B65694D-18AE-4730-B44F-7338E876E40B}" type="datetimeFigureOut">
               <a:rPr lang="ko-KR" altLang="en-US" smtClean="0"/>
-              <a:t>2021-01-12(Tue)</a:t>
+              <a:t>2021-01-13(Wed)</a:t>
             </a:fld>
             <a:endParaRPr lang="ko-KR" altLang="en-US"/>
           </a:p>

--- a/SCV 24 기획안.pptx
+++ b/SCV 24 기획안.pptx
@@ -275,7 +275,7 @@
           <a:p>
             <a:fld id="{5B65694D-18AE-4730-B44F-7338E876E40B}" type="datetimeFigureOut">
               <a:rPr lang="ko-KR" altLang="en-US" smtClean="0"/>
-              <a:t>2021-01-13(Wed)</a:t>
+              <a:t>2021-01-19(Tue)</a:t>
             </a:fld>
             <a:endParaRPr lang="ko-KR" altLang="en-US"/>
           </a:p>
@@ -473,7 +473,7 @@
           <a:p>
             <a:fld id="{5B65694D-18AE-4730-B44F-7338E876E40B}" type="datetimeFigureOut">
               <a:rPr lang="ko-KR" altLang="en-US" smtClean="0"/>
-              <a:t>2021-01-13(Wed)</a:t>
+              <a:t>2021-01-19(Tue)</a:t>
             </a:fld>
             <a:endParaRPr lang="ko-KR" altLang="en-US"/>
           </a:p>
@@ -681,7 +681,7 @@
           <a:p>
             <a:fld id="{5B65694D-18AE-4730-B44F-7338E876E40B}" type="datetimeFigureOut">
               <a:rPr lang="ko-KR" altLang="en-US" smtClean="0"/>
-              <a:t>2021-01-13(Wed)</a:t>
+              <a:t>2021-01-19(Tue)</a:t>
             </a:fld>
             <a:endParaRPr lang="ko-KR" altLang="en-US"/>
           </a:p>
@@ -879,7 +879,7 @@
           <a:p>
             <a:fld id="{5B65694D-18AE-4730-B44F-7338E876E40B}" type="datetimeFigureOut">
               <a:rPr lang="ko-KR" altLang="en-US" smtClean="0"/>
-              <a:t>2021-01-13(Wed)</a:t>
+              <a:t>2021-01-19(Tue)</a:t>
             </a:fld>
             <a:endParaRPr lang="ko-KR" altLang="en-US"/>
           </a:p>
@@ -1154,7 +1154,7 @@
           <a:p>
             <a:fld id="{5B65694D-18AE-4730-B44F-7338E876E40B}" type="datetimeFigureOut">
               <a:rPr lang="ko-KR" altLang="en-US" smtClean="0"/>
-              <a:t>2021-01-13(Wed)</a:t>
+              <a:t>2021-01-19(Tue)</a:t>
             </a:fld>
             <a:endParaRPr lang="ko-KR" altLang="en-US"/>
           </a:p>
@@ -1419,7 +1419,7 @@
           <a:p>
             <a:fld id="{5B65694D-18AE-4730-B44F-7338E876E40B}" type="datetimeFigureOut">
               <a:rPr lang="ko-KR" altLang="en-US" smtClean="0"/>
-              <a:t>2021-01-13(Wed)</a:t>
+              <a:t>2021-01-19(Tue)</a:t>
             </a:fld>
             <a:endParaRPr lang="ko-KR" altLang="en-US"/>
           </a:p>
@@ -1831,7 +1831,7 @@
           <a:p>
             <a:fld id="{5B65694D-18AE-4730-B44F-7338E876E40B}" type="datetimeFigureOut">
               <a:rPr lang="ko-KR" altLang="en-US" smtClean="0"/>
-              <a:t>2021-01-13(Wed)</a:t>
+              <a:t>2021-01-19(Tue)</a:t>
             </a:fld>
             <a:endParaRPr lang="ko-KR" altLang="en-US"/>
           </a:p>
@@ -1972,7 +1972,7 @@
           <a:p>
             <a:fld id="{5B65694D-18AE-4730-B44F-7338E876E40B}" type="datetimeFigureOut">
               <a:rPr lang="ko-KR" altLang="en-US" smtClean="0"/>
-              <a:t>2021-01-13(Wed)</a:t>
+              <a:t>2021-01-19(Tue)</a:t>
             </a:fld>
             <a:endParaRPr lang="ko-KR" altLang="en-US"/>
           </a:p>
@@ -2085,7 +2085,7 @@
           <a:p>
             <a:fld id="{5B65694D-18AE-4730-B44F-7338E876E40B}" type="datetimeFigureOut">
               <a:rPr lang="ko-KR" altLang="en-US" smtClean="0"/>
-              <a:t>2021-01-13(Wed)</a:t>
+              <a:t>2021-01-19(Tue)</a:t>
             </a:fld>
             <a:endParaRPr lang="ko-KR" altLang="en-US"/>
           </a:p>
@@ -2396,7 +2396,7 @@
           <a:p>
             <a:fld id="{5B65694D-18AE-4730-B44F-7338E876E40B}" type="datetimeFigureOut">
               <a:rPr lang="ko-KR" altLang="en-US" smtClean="0"/>
-              <a:t>2021-01-13(Wed)</a:t>
+              <a:t>2021-01-19(Tue)</a:t>
             </a:fld>
             <a:endParaRPr lang="ko-KR" altLang="en-US"/>
           </a:p>
@@ -2684,7 +2684,7 @@
           <a:p>
             <a:fld id="{5B65694D-18AE-4730-B44F-7338E876E40B}" type="datetimeFigureOut">
               <a:rPr lang="ko-KR" altLang="en-US" smtClean="0"/>
-              <a:t>2021-01-13(Wed)</a:t>
+              <a:t>2021-01-19(Tue)</a:t>
             </a:fld>
             <a:endParaRPr lang="ko-KR" altLang="en-US"/>
           </a:p>
@@ -2925,7 +2925,7 @@
           <a:p>
             <a:fld id="{5B65694D-18AE-4730-B44F-7338E876E40B}" type="datetimeFigureOut">
               <a:rPr lang="ko-KR" altLang="en-US" smtClean="0"/>
-              <a:t>2021-01-13(Wed)</a:t>
+              <a:t>2021-01-19(Tue)</a:t>
             </a:fld>
             <a:endParaRPr lang="ko-KR" altLang="en-US"/>
           </a:p>
@@ -5679,6 +5679,53 @@
           <a:bodyPr/>
           <a:lstStyle/>
           <a:p>
+            <a:r>
+              <a:rPr lang="ko-KR" altLang="en-US"/>
+              <a:t>보상 </a:t>
+            </a:r>
+            <a:r>
+              <a:rPr lang="en-US" altLang="ko-KR"/>
+              <a:t>&gt; </a:t>
+            </a:r>
+            <a:r>
+              <a:rPr lang="ko-KR" altLang="en-US"/>
+              <a:t>랜덤 보급품</a:t>
+            </a:r>
+            <a:r>
+              <a:rPr lang="en-US" altLang="ko-KR"/>
+              <a:t>.</a:t>
+            </a:r>
+          </a:p>
+          <a:p>
+            <a:r>
+              <a:rPr lang="ko-KR" altLang="en-US"/>
+              <a:t>총 미네랄</a:t>
+            </a:r>
+            <a:r>
+              <a:rPr lang="en-US" altLang="ko-KR"/>
+              <a:t> </a:t>
+            </a:r>
+            <a:r>
+              <a:rPr lang="ko-KR" altLang="en-US"/>
+              <a:t>보유량</a:t>
+            </a:r>
+            <a:endParaRPr lang="en-US" altLang="ko-KR"/>
+          </a:p>
+          <a:p>
+            <a:r>
+              <a:rPr lang="ko-KR" altLang="en-US"/>
+              <a:t>연구 성공 횟수</a:t>
+            </a:r>
+            <a:endParaRPr lang="en-US" altLang="ko-KR"/>
+          </a:p>
+          <a:p>
+            <a:r>
+              <a:rPr lang="ko-KR" altLang="en-US"/>
+              <a:t>연구 실패 횟수</a:t>
+            </a:r>
+            <a:endParaRPr lang="en-US" altLang="ko-KR"/>
+          </a:p>
+          <a:p>
             <a:endParaRPr lang="ko-KR" altLang="en-US"/>
           </a:p>
         </p:txBody>

--- a/SCV 24 기획안.pptx
+++ b/SCV 24 기획안.pptx
@@ -21,7 +21,8 @@
     <p:sldId id="269" r:id="rId15"/>
     <p:sldId id="270" r:id="rId16"/>
     <p:sldId id="271" r:id="rId17"/>
-    <p:sldId id="272" r:id="rId18"/>
+    <p:sldId id="273" r:id="rId18"/>
+    <p:sldId id="272" r:id="rId19"/>
   </p:sldIdLst>
   <p:sldSz cx="12192000" cy="6858000"/>
   <p:notesSz cx="6858000" cy="9144000"/>
@@ -275,7 +276,7 @@
           <a:p>
             <a:fld id="{5B65694D-18AE-4730-B44F-7338E876E40B}" type="datetimeFigureOut">
               <a:rPr lang="ko-KR" altLang="en-US" smtClean="0"/>
-              <a:t>2021-01-19(Tue)</a:t>
+              <a:t>2021-01-21(Thu)</a:t>
             </a:fld>
             <a:endParaRPr lang="ko-KR" altLang="en-US"/>
           </a:p>
@@ -473,7 +474,7 @@
           <a:p>
             <a:fld id="{5B65694D-18AE-4730-B44F-7338E876E40B}" type="datetimeFigureOut">
               <a:rPr lang="ko-KR" altLang="en-US" smtClean="0"/>
-              <a:t>2021-01-19(Tue)</a:t>
+              <a:t>2021-01-21(Thu)</a:t>
             </a:fld>
             <a:endParaRPr lang="ko-KR" altLang="en-US"/>
           </a:p>
@@ -681,7 +682,7 @@
           <a:p>
             <a:fld id="{5B65694D-18AE-4730-B44F-7338E876E40B}" type="datetimeFigureOut">
               <a:rPr lang="ko-KR" altLang="en-US" smtClean="0"/>
-              <a:t>2021-01-19(Tue)</a:t>
+              <a:t>2021-01-21(Thu)</a:t>
             </a:fld>
             <a:endParaRPr lang="ko-KR" altLang="en-US"/>
           </a:p>
@@ -879,7 +880,7 @@
           <a:p>
             <a:fld id="{5B65694D-18AE-4730-B44F-7338E876E40B}" type="datetimeFigureOut">
               <a:rPr lang="ko-KR" altLang="en-US" smtClean="0"/>
-              <a:t>2021-01-19(Tue)</a:t>
+              <a:t>2021-01-21(Thu)</a:t>
             </a:fld>
             <a:endParaRPr lang="ko-KR" altLang="en-US"/>
           </a:p>
@@ -1154,7 +1155,7 @@
           <a:p>
             <a:fld id="{5B65694D-18AE-4730-B44F-7338E876E40B}" type="datetimeFigureOut">
               <a:rPr lang="ko-KR" altLang="en-US" smtClean="0"/>
-              <a:t>2021-01-19(Tue)</a:t>
+              <a:t>2021-01-21(Thu)</a:t>
             </a:fld>
             <a:endParaRPr lang="ko-KR" altLang="en-US"/>
           </a:p>
@@ -1419,7 +1420,7 @@
           <a:p>
             <a:fld id="{5B65694D-18AE-4730-B44F-7338E876E40B}" type="datetimeFigureOut">
               <a:rPr lang="ko-KR" altLang="en-US" smtClean="0"/>
-              <a:t>2021-01-19(Tue)</a:t>
+              <a:t>2021-01-21(Thu)</a:t>
             </a:fld>
             <a:endParaRPr lang="ko-KR" altLang="en-US"/>
           </a:p>
@@ -1831,7 +1832,7 @@
           <a:p>
             <a:fld id="{5B65694D-18AE-4730-B44F-7338E876E40B}" type="datetimeFigureOut">
               <a:rPr lang="ko-KR" altLang="en-US" smtClean="0"/>
-              <a:t>2021-01-19(Tue)</a:t>
+              <a:t>2021-01-21(Thu)</a:t>
             </a:fld>
             <a:endParaRPr lang="ko-KR" altLang="en-US"/>
           </a:p>
@@ -1972,7 +1973,7 @@
           <a:p>
             <a:fld id="{5B65694D-18AE-4730-B44F-7338E876E40B}" type="datetimeFigureOut">
               <a:rPr lang="ko-KR" altLang="en-US" smtClean="0"/>
-              <a:t>2021-01-19(Tue)</a:t>
+              <a:t>2021-01-21(Thu)</a:t>
             </a:fld>
             <a:endParaRPr lang="ko-KR" altLang="en-US"/>
           </a:p>
@@ -2085,7 +2086,7 @@
           <a:p>
             <a:fld id="{5B65694D-18AE-4730-B44F-7338E876E40B}" type="datetimeFigureOut">
               <a:rPr lang="ko-KR" altLang="en-US" smtClean="0"/>
-              <a:t>2021-01-19(Tue)</a:t>
+              <a:t>2021-01-21(Thu)</a:t>
             </a:fld>
             <a:endParaRPr lang="ko-KR" altLang="en-US"/>
           </a:p>
@@ -2396,7 +2397,7 @@
           <a:p>
             <a:fld id="{5B65694D-18AE-4730-B44F-7338E876E40B}" type="datetimeFigureOut">
               <a:rPr lang="ko-KR" altLang="en-US" smtClean="0"/>
-              <a:t>2021-01-19(Tue)</a:t>
+              <a:t>2021-01-21(Thu)</a:t>
             </a:fld>
             <a:endParaRPr lang="ko-KR" altLang="en-US"/>
           </a:p>
@@ -2684,7 +2685,7 @@
           <a:p>
             <a:fld id="{5B65694D-18AE-4730-B44F-7338E876E40B}" type="datetimeFigureOut">
               <a:rPr lang="ko-KR" altLang="en-US" smtClean="0"/>
-              <a:t>2021-01-19(Tue)</a:t>
+              <a:t>2021-01-21(Thu)</a:t>
             </a:fld>
             <a:endParaRPr lang="ko-KR" altLang="en-US"/>
           </a:p>
@@ -2925,7 +2926,7 @@
           <a:p>
             <a:fld id="{5B65694D-18AE-4730-B44F-7338E876E40B}" type="datetimeFigureOut">
               <a:rPr lang="ko-KR" altLang="en-US" smtClean="0"/>
-              <a:t>2021-01-19(Tue)</a:t>
+              <a:t>2021-01-21(Thu)</a:t>
             </a:fld>
             <a:endParaRPr lang="ko-KR" altLang="en-US"/>
           </a:p>
@@ -5635,6 +5636,163 @@
           <p:cNvPr id="2" name="제목 1">
             <a:extLst>
               <a:ext uri="{FF2B5EF4-FFF2-40B4-BE49-F238E27FC236}">
+                <a16:creationId xmlns:a16="http://schemas.microsoft.com/office/drawing/2014/main" id="{AB1B35F8-B22E-4F98-B4F7-F9AF6100A506}"/>
+              </a:ext>
+            </a:extLst>
+          </p:cNvPr>
+          <p:cNvSpPr>
+            <a:spLocks noGrp="1"/>
+          </p:cNvSpPr>
+          <p:nvPr>
+            <p:ph type="title"/>
+          </p:nvPr>
+        </p:nvSpPr>
+        <p:spPr/>
+        <p:txBody>
+          <a:bodyPr/>
+          <a:lstStyle/>
+          <a:p>
+            <a:r>
+              <a:rPr lang="ko-KR" altLang="en-US"/>
+              <a:t>보급품보너스</a:t>
+            </a:r>
+          </a:p>
+        </p:txBody>
+      </p:sp>
+      <p:sp>
+        <p:nvSpPr>
+          <p:cNvPr id="3" name="내용 개체 틀 2">
+            <a:extLst>
+              <a:ext uri="{FF2B5EF4-FFF2-40B4-BE49-F238E27FC236}">
+                <a16:creationId xmlns:a16="http://schemas.microsoft.com/office/drawing/2014/main" id="{BD898194-66FE-47BA-B52F-189D77EA5FFD}"/>
+              </a:ext>
+            </a:extLst>
+          </p:cNvPr>
+          <p:cNvSpPr>
+            <a:spLocks noGrp="1"/>
+          </p:cNvSpPr>
+          <p:nvPr>
+            <p:ph idx="1"/>
+          </p:nvPr>
+        </p:nvSpPr>
+        <p:spPr/>
+        <p:txBody>
+          <a:bodyPr/>
+          <a:lstStyle/>
+          <a:p>
+            <a:r>
+              <a:rPr lang="ko-KR" altLang="en-US"/>
+              <a:t>미네랄 </a:t>
+            </a:r>
+            <a:r>
+              <a:rPr lang="en-US" altLang="ko-KR"/>
+              <a:t>: </a:t>
+            </a:r>
+            <a:r>
+              <a:rPr lang="ko-KR" altLang="en-US"/>
+              <a:t>획득량 </a:t>
+            </a:r>
+            <a:r>
+              <a:rPr lang="en-US" altLang="ko-KR"/>
+              <a:t>* </a:t>
+            </a:r>
+            <a:r>
+              <a:rPr lang="ko-KR" altLang="en-US"/>
+              <a:t>보급보너스 단계 </a:t>
+            </a:r>
+            <a:r>
+              <a:rPr lang="en-US" altLang="ko-KR"/>
+              <a:t>* 0.05</a:t>
+            </a:r>
+          </a:p>
+          <a:p>
+            <a:r>
+              <a:rPr lang="ko-KR" altLang="en-US"/>
+              <a:t>연구점수 </a:t>
+            </a:r>
+            <a:r>
+              <a:rPr lang="en-US" altLang="ko-KR"/>
+              <a:t>: </a:t>
+            </a:r>
+            <a:r>
+              <a:rPr lang="ko-KR" altLang="en-US"/>
+              <a:t>획득량 </a:t>
+            </a:r>
+            <a:r>
+              <a:rPr lang="en-US" altLang="ko-KR"/>
+              <a:t>* </a:t>
+            </a:r>
+            <a:r>
+              <a:rPr lang="ko-KR" altLang="en-US"/>
+              <a:t>보급보너스 단계 </a:t>
+            </a:r>
+            <a:r>
+              <a:rPr lang="en-US" altLang="ko-KR"/>
+              <a:t>* 0.05</a:t>
+            </a:r>
+          </a:p>
+          <a:p>
+            <a:r>
+              <a:rPr lang="ko-KR" altLang="en-US"/>
+              <a:t>스팀팩 </a:t>
+            </a:r>
+            <a:r>
+              <a:rPr lang="en-US" altLang="ko-KR"/>
+              <a:t>: </a:t>
+            </a:r>
+            <a:r>
+              <a:rPr lang="ko-KR" altLang="en-US"/>
+              <a:t>뽑힌수 </a:t>
+            </a:r>
+            <a:r>
+              <a:rPr lang="en-US" altLang="ko-KR"/>
+              <a:t>* </a:t>
+            </a:r>
+            <a:r>
+              <a:rPr lang="ko-KR" altLang="en-US"/>
+              <a:t>보급보너스 단계</a:t>
+            </a:r>
+          </a:p>
+          <a:p>
+            <a:endParaRPr lang="ko-KR" altLang="en-US"/>
+          </a:p>
+        </p:txBody>
+      </p:sp>
+    </p:spTree>
+    <p:extLst>
+      <p:ext uri="{BB962C8B-B14F-4D97-AF65-F5344CB8AC3E}">
+        <p14:creationId xmlns:p14="http://schemas.microsoft.com/office/powerpoint/2010/main" val="1744999516"/>
+      </p:ext>
+    </p:extLst>
+  </p:cSld>
+  <p:clrMapOvr>
+    <a:masterClrMapping/>
+  </p:clrMapOvr>
+</p:sld>
+</file>
+
+<file path=ppt/slides/slide18.xml><?xml version="1.0" encoding="utf-8"?>
+<p:sld xmlns:a="http://schemas.openxmlformats.org/drawingml/2006/main" xmlns:r="http://schemas.openxmlformats.org/officeDocument/2006/relationships" xmlns:p="http://schemas.openxmlformats.org/presentationml/2006/main">
+  <p:cSld>
+    <p:spTree>
+      <p:nvGrpSpPr>
+        <p:cNvPr id="1" name=""/>
+        <p:cNvGrpSpPr/>
+        <p:nvPr/>
+      </p:nvGrpSpPr>
+      <p:grpSpPr>
+        <a:xfrm>
+          <a:off x="0" y="0"/>
+          <a:ext cx="0" cy="0"/>
+          <a:chOff x="0" y="0"/>
+          <a:chExt cx="0" cy="0"/>
+        </a:xfrm>
+      </p:grpSpPr>
+      <p:sp>
+        <p:nvSpPr>
+          <p:cNvPr id="2" name="제목 1">
+            <a:extLst>
+              <a:ext uri="{FF2B5EF4-FFF2-40B4-BE49-F238E27FC236}">
                 <a16:creationId xmlns:a16="http://schemas.microsoft.com/office/drawing/2014/main" id="{933FC05E-136A-49B0-B294-9D11B286F7E8}"/>
               </a:ext>
             </a:extLst>

--- a/SCV 24 기획안.pptx
+++ b/SCV 24 기획안.pptx
@@ -276,7 +276,7 @@
           <a:p>
             <a:fld id="{5B65694D-18AE-4730-B44F-7338E876E40B}" type="datetimeFigureOut">
               <a:rPr lang="ko-KR" altLang="en-US" smtClean="0"/>
-              <a:t>2021-01-21(Thu)</a:t>
+              <a:t>2021-01-24(Sun)</a:t>
             </a:fld>
             <a:endParaRPr lang="ko-KR" altLang="en-US"/>
           </a:p>
@@ -474,7 +474,7 @@
           <a:p>
             <a:fld id="{5B65694D-18AE-4730-B44F-7338E876E40B}" type="datetimeFigureOut">
               <a:rPr lang="ko-KR" altLang="en-US" smtClean="0"/>
-              <a:t>2021-01-21(Thu)</a:t>
+              <a:t>2021-01-24(Sun)</a:t>
             </a:fld>
             <a:endParaRPr lang="ko-KR" altLang="en-US"/>
           </a:p>
@@ -682,7 +682,7 @@
           <a:p>
             <a:fld id="{5B65694D-18AE-4730-B44F-7338E876E40B}" type="datetimeFigureOut">
               <a:rPr lang="ko-KR" altLang="en-US" smtClean="0"/>
-              <a:t>2021-01-21(Thu)</a:t>
+              <a:t>2021-01-24(Sun)</a:t>
             </a:fld>
             <a:endParaRPr lang="ko-KR" altLang="en-US"/>
           </a:p>
@@ -880,7 +880,7 @@
           <a:p>
             <a:fld id="{5B65694D-18AE-4730-B44F-7338E876E40B}" type="datetimeFigureOut">
               <a:rPr lang="ko-KR" altLang="en-US" smtClean="0"/>
-              <a:t>2021-01-21(Thu)</a:t>
+              <a:t>2021-01-24(Sun)</a:t>
             </a:fld>
             <a:endParaRPr lang="ko-KR" altLang="en-US"/>
           </a:p>
@@ -1155,7 +1155,7 @@
           <a:p>
             <a:fld id="{5B65694D-18AE-4730-B44F-7338E876E40B}" type="datetimeFigureOut">
               <a:rPr lang="ko-KR" altLang="en-US" smtClean="0"/>
-              <a:t>2021-01-21(Thu)</a:t>
+              <a:t>2021-01-24(Sun)</a:t>
             </a:fld>
             <a:endParaRPr lang="ko-KR" altLang="en-US"/>
           </a:p>
@@ -1420,7 +1420,7 @@
           <a:p>
             <a:fld id="{5B65694D-18AE-4730-B44F-7338E876E40B}" type="datetimeFigureOut">
               <a:rPr lang="ko-KR" altLang="en-US" smtClean="0"/>
-              <a:t>2021-01-21(Thu)</a:t>
+              <a:t>2021-01-24(Sun)</a:t>
             </a:fld>
             <a:endParaRPr lang="ko-KR" altLang="en-US"/>
           </a:p>
@@ -1832,7 +1832,7 @@
           <a:p>
             <a:fld id="{5B65694D-18AE-4730-B44F-7338E876E40B}" type="datetimeFigureOut">
               <a:rPr lang="ko-KR" altLang="en-US" smtClean="0"/>
-              <a:t>2021-01-21(Thu)</a:t>
+              <a:t>2021-01-24(Sun)</a:t>
             </a:fld>
             <a:endParaRPr lang="ko-KR" altLang="en-US"/>
           </a:p>
@@ -1973,7 +1973,7 @@
           <a:p>
             <a:fld id="{5B65694D-18AE-4730-B44F-7338E876E40B}" type="datetimeFigureOut">
               <a:rPr lang="ko-KR" altLang="en-US" smtClean="0"/>
-              <a:t>2021-01-21(Thu)</a:t>
+              <a:t>2021-01-24(Sun)</a:t>
             </a:fld>
             <a:endParaRPr lang="ko-KR" altLang="en-US"/>
           </a:p>
@@ -2086,7 +2086,7 @@
           <a:p>
             <a:fld id="{5B65694D-18AE-4730-B44F-7338E876E40B}" type="datetimeFigureOut">
               <a:rPr lang="ko-KR" altLang="en-US" smtClean="0"/>
-              <a:t>2021-01-21(Thu)</a:t>
+              <a:t>2021-01-24(Sun)</a:t>
             </a:fld>
             <a:endParaRPr lang="ko-KR" altLang="en-US"/>
           </a:p>
@@ -2397,7 +2397,7 @@
           <a:p>
             <a:fld id="{5B65694D-18AE-4730-B44F-7338E876E40B}" type="datetimeFigureOut">
               <a:rPr lang="ko-KR" altLang="en-US" smtClean="0"/>
-              <a:t>2021-01-21(Thu)</a:t>
+              <a:t>2021-01-24(Sun)</a:t>
             </a:fld>
             <a:endParaRPr lang="ko-KR" altLang="en-US"/>
           </a:p>
@@ -2685,7 +2685,7 @@
           <a:p>
             <a:fld id="{5B65694D-18AE-4730-B44F-7338E876E40B}" type="datetimeFigureOut">
               <a:rPr lang="ko-KR" altLang="en-US" smtClean="0"/>
-              <a:t>2021-01-21(Thu)</a:t>
+              <a:t>2021-01-24(Sun)</a:t>
             </a:fld>
             <a:endParaRPr lang="ko-KR" altLang="en-US"/>
           </a:p>
@@ -2926,7 +2926,7 @@
           <a:p>
             <a:fld id="{5B65694D-18AE-4730-B44F-7338E876E40B}" type="datetimeFigureOut">
               <a:rPr lang="ko-KR" altLang="en-US" smtClean="0"/>
-              <a:t>2021-01-21(Thu)</a:t>
+              <a:t>2021-01-24(Sun)</a:t>
             </a:fld>
             <a:endParaRPr lang="ko-KR" altLang="en-US"/>
           </a:p>
@@ -5856,6 +5856,18 @@
           </a:p>
           <a:p>
             <a:r>
+              <a:rPr lang="en-US" altLang="ko-KR"/>
+              <a:t>1. </a:t>
+            </a:r>
+            <a:r>
+              <a:rPr lang="ko-KR" altLang="en-US"/>
+              <a:t>광부로 키워보자 </a:t>
+            </a:r>
+            <a:r>
+              <a:rPr lang="en-US" altLang="ko-KR"/>
+              <a:t>: </a:t>
+            </a:r>
+            <a:r>
               <a:rPr lang="ko-KR" altLang="en-US"/>
               <a:t>총 미네랄</a:t>
             </a:r>
@@ -5865,25 +5877,98 @@
             </a:r>
             <a:r>
               <a:rPr lang="ko-KR" altLang="en-US"/>
-              <a:t>보유량</a:t>
+              <a:t>채취량</a:t>
             </a:r>
             <a:endParaRPr lang="en-US" altLang="ko-KR"/>
           </a:p>
           <a:p>
             <a:r>
-              <a:rPr lang="ko-KR" altLang="en-US"/>
-              <a:t>연구 성공 횟수</a:t>
+              <a:rPr lang="en-US" altLang="ko-KR"/>
+              <a:t>2. : </a:t>
+            </a:r>
+            <a:r>
+              <a:rPr lang="ko-KR" altLang="en-US"/>
+              <a:t>총 연구점수 수집량</a:t>
             </a:r>
             <a:endParaRPr lang="en-US" altLang="ko-KR"/>
           </a:p>
           <a:p>
             <a:r>
-              <a:rPr lang="ko-KR" altLang="en-US"/>
-              <a:t>연구 실패 횟수</a:t>
+              <a:rPr lang="en-US" altLang="ko-KR"/>
+              <a:t>3.</a:t>
+            </a:r>
+            <a:r>
+              <a:rPr lang="ko-KR" altLang="en-US"/>
+              <a:t> 공부라도 시켜보자 </a:t>
+            </a:r>
+            <a:r>
+              <a:rPr lang="en-US" altLang="ko-KR"/>
+              <a:t>: </a:t>
+            </a:r>
+            <a:r>
+              <a:rPr lang="ko-KR" altLang="en-US"/>
+              <a:t>연구 횟수</a:t>
             </a:r>
             <a:endParaRPr lang="en-US" altLang="ko-KR"/>
           </a:p>
           <a:p>
+            <a:r>
+              <a:rPr lang="en-US" altLang="ko-KR"/>
+              <a:t>4. VIP</a:t>
+            </a:r>
+            <a:r>
+              <a:rPr lang="ko-KR" altLang="en-US"/>
+              <a:t> </a:t>
+            </a:r>
+            <a:r>
+              <a:rPr lang="en-US" altLang="ko-KR"/>
+              <a:t>: </a:t>
+            </a:r>
+            <a:r>
+              <a:rPr lang="ko-KR" altLang="en-US"/>
+              <a:t>패키지 구매 횟수</a:t>
+            </a:r>
+            <a:endParaRPr lang="en-US" altLang="ko-KR"/>
+          </a:p>
+          <a:p>
+            <a:r>
+              <a:rPr lang="en-US" altLang="ko-KR"/>
+              <a:t>5. </a:t>
+            </a:r>
+            <a:r>
+              <a:rPr lang="ko-KR" altLang="en-US"/>
+              <a:t>건물 다짓기</a:t>
+            </a:r>
+            <a:endParaRPr lang="en-US" altLang="ko-KR"/>
+          </a:p>
+          <a:p>
+            <a:r>
+              <a:rPr lang="en-US" altLang="ko-KR"/>
+              <a:t>6. </a:t>
+            </a:r>
+            <a:r>
+              <a:rPr lang="ko-KR" altLang="en-US"/>
+              <a:t>가스 채우기</a:t>
+            </a:r>
+            <a:endParaRPr lang="en-US" altLang="ko-KR"/>
+          </a:p>
+          <a:p>
+            <a:r>
+              <a:rPr lang="ko-KR" altLang="en-US"/>
+              <a:t>보상버튼 클릭시 </a:t>
+            </a:r>
+            <a:r>
+              <a:rPr lang="en-US" altLang="ko-KR"/>
+              <a:t>: </a:t>
+            </a:r>
+            <a:r>
+              <a:rPr lang="ko-KR" altLang="en-US"/>
+              <a:t>카운트 만큼 먹음</a:t>
+            </a:r>
+            <a:r>
+              <a:rPr lang="en-US" altLang="ko-KR"/>
+              <a:t>.</a:t>
+            </a:r>
             <a:endParaRPr lang="ko-KR" altLang="en-US"/>
           </a:p>
         </p:txBody>

--- a/SCV 24 기획안.pptx
+++ b/SCV 24 기획안.pptx
@@ -23,6 +23,10 @@
     <p:sldId id="271" r:id="rId17"/>
     <p:sldId id="273" r:id="rId18"/>
     <p:sldId id="272" r:id="rId19"/>
+    <p:sldId id="274" r:id="rId20"/>
+    <p:sldId id="276" r:id="rId21"/>
+    <p:sldId id="275" r:id="rId22"/>
+    <p:sldId id="277" r:id="rId23"/>
   </p:sldIdLst>
   <p:sldSz cx="12192000" cy="6858000"/>
   <p:notesSz cx="6858000" cy="9144000"/>
@@ -276,7 +280,7 @@
           <a:p>
             <a:fld id="{5B65694D-18AE-4730-B44F-7338E876E40B}" type="datetimeFigureOut">
               <a:rPr lang="ko-KR" altLang="en-US" smtClean="0"/>
-              <a:t>2021-01-24(Sun)</a:t>
+              <a:t>2021-02-08(Mon)</a:t>
             </a:fld>
             <a:endParaRPr lang="ko-KR" altLang="en-US"/>
           </a:p>
@@ -474,7 +478,7 @@
           <a:p>
             <a:fld id="{5B65694D-18AE-4730-B44F-7338E876E40B}" type="datetimeFigureOut">
               <a:rPr lang="ko-KR" altLang="en-US" smtClean="0"/>
-              <a:t>2021-01-24(Sun)</a:t>
+              <a:t>2021-02-08(Mon)</a:t>
             </a:fld>
             <a:endParaRPr lang="ko-KR" altLang="en-US"/>
           </a:p>
@@ -682,7 +686,7 @@
           <a:p>
             <a:fld id="{5B65694D-18AE-4730-B44F-7338E876E40B}" type="datetimeFigureOut">
               <a:rPr lang="ko-KR" altLang="en-US" smtClean="0"/>
-              <a:t>2021-01-24(Sun)</a:t>
+              <a:t>2021-02-08(Mon)</a:t>
             </a:fld>
             <a:endParaRPr lang="ko-KR" altLang="en-US"/>
           </a:p>
@@ -880,7 +884,7 @@
           <a:p>
             <a:fld id="{5B65694D-18AE-4730-B44F-7338E876E40B}" type="datetimeFigureOut">
               <a:rPr lang="ko-KR" altLang="en-US" smtClean="0"/>
-              <a:t>2021-01-24(Sun)</a:t>
+              <a:t>2021-02-08(Mon)</a:t>
             </a:fld>
             <a:endParaRPr lang="ko-KR" altLang="en-US"/>
           </a:p>
@@ -1155,7 +1159,7 @@
           <a:p>
             <a:fld id="{5B65694D-18AE-4730-B44F-7338E876E40B}" type="datetimeFigureOut">
               <a:rPr lang="ko-KR" altLang="en-US" smtClean="0"/>
-              <a:t>2021-01-24(Sun)</a:t>
+              <a:t>2021-02-08(Mon)</a:t>
             </a:fld>
             <a:endParaRPr lang="ko-KR" altLang="en-US"/>
           </a:p>
@@ -1420,7 +1424,7 @@
           <a:p>
             <a:fld id="{5B65694D-18AE-4730-B44F-7338E876E40B}" type="datetimeFigureOut">
               <a:rPr lang="ko-KR" altLang="en-US" smtClean="0"/>
-              <a:t>2021-01-24(Sun)</a:t>
+              <a:t>2021-02-08(Mon)</a:t>
             </a:fld>
             <a:endParaRPr lang="ko-KR" altLang="en-US"/>
           </a:p>
@@ -1832,7 +1836,7 @@
           <a:p>
             <a:fld id="{5B65694D-18AE-4730-B44F-7338E876E40B}" type="datetimeFigureOut">
               <a:rPr lang="ko-KR" altLang="en-US" smtClean="0"/>
-              <a:t>2021-01-24(Sun)</a:t>
+              <a:t>2021-02-08(Mon)</a:t>
             </a:fld>
             <a:endParaRPr lang="ko-KR" altLang="en-US"/>
           </a:p>
@@ -1973,7 +1977,7 @@
           <a:p>
             <a:fld id="{5B65694D-18AE-4730-B44F-7338E876E40B}" type="datetimeFigureOut">
               <a:rPr lang="ko-KR" altLang="en-US" smtClean="0"/>
-              <a:t>2021-01-24(Sun)</a:t>
+              <a:t>2021-02-08(Mon)</a:t>
             </a:fld>
             <a:endParaRPr lang="ko-KR" altLang="en-US"/>
           </a:p>
@@ -2086,7 +2090,7 @@
           <a:p>
             <a:fld id="{5B65694D-18AE-4730-B44F-7338E876E40B}" type="datetimeFigureOut">
               <a:rPr lang="ko-KR" altLang="en-US" smtClean="0"/>
-              <a:t>2021-01-24(Sun)</a:t>
+              <a:t>2021-02-08(Mon)</a:t>
             </a:fld>
             <a:endParaRPr lang="ko-KR" altLang="en-US"/>
           </a:p>
@@ -2397,7 +2401,7 @@
           <a:p>
             <a:fld id="{5B65694D-18AE-4730-B44F-7338E876E40B}" type="datetimeFigureOut">
               <a:rPr lang="ko-KR" altLang="en-US" smtClean="0"/>
-              <a:t>2021-01-24(Sun)</a:t>
+              <a:t>2021-02-08(Mon)</a:t>
             </a:fld>
             <a:endParaRPr lang="ko-KR" altLang="en-US"/>
           </a:p>
@@ -2685,7 +2689,7 @@
           <a:p>
             <a:fld id="{5B65694D-18AE-4730-B44F-7338E876E40B}" type="datetimeFigureOut">
               <a:rPr lang="ko-KR" altLang="en-US" smtClean="0"/>
-              <a:t>2021-01-24(Sun)</a:t>
+              <a:t>2021-02-08(Mon)</a:t>
             </a:fld>
             <a:endParaRPr lang="ko-KR" altLang="en-US"/>
           </a:p>
@@ -2926,7 +2930,7 @@
           <a:p>
             <a:fld id="{5B65694D-18AE-4730-B44F-7338E876E40B}" type="datetimeFigureOut">
               <a:rPr lang="ko-KR" altLang="en-US" smtClean="0"/>
-              <a:t>2021-01-24(Sun)</a:t>
+              <a:t>2021-02-08(Mon)</a:t>
             </a:fld>
             <a:endParaRPr lang="ko-KR" altLang="en-US"/>
           </a:p>
@@ -5834,7 +5838,9 @@
         </p:nvSpPr>
         <p:spPr/>
         <p:txBody>
-          <a:bodyPr/>
+          <a:bodyPr>
+            <a:normAutofit fontScale="85000" lnSpcReduction="20000"/>
+          </a:bodyPr>
           <a:lstStyle/>
           <a:p>
             <a:r>
@@ -5949,6 +5955,39 @@
             <a:r>
               <a:rPr lang="ko-KR" altLang="en-US"/>
               <a:t>가스 채우기</a:t>
+            </a:r>
+            <a:endParaRPr lang="en-US" altLang="ko-KR"/>
+          </a:p>
+          <a:p>
+            <a:r>
+              <a:rPr lang="en-US" altLang="ko-KR"/>
+              <a:t>7. </a:t>
+            </a:r>
+            <a:r>
+              <a:rPr lang="ko-KR" altLang="en-US"/>
+              <a:t>첫 구매 보상</a:t>
+            </a:r>
+            <a:endParaRPr lang="en-US" altLang="ko-KR"/>
+          </a:p>
+          <a:p>
+            <a:r>
+              <a:rPr lang="en-US" altLang="ko-KR"/>
+              <a:t>8. </a:t>
+            </a:r>
+            <a:r>
+              <a:rPr lang="ko-KR" altLang="en-US"/>
+              <a:t>리뷰보상</a:t>
+            </a:r>
+            <a:endParaRPr lang="en-US" altLang="ko-KR"/>
+          </a:p>
+          <a:p>
+            <a:r>
+              <a:rPr lang="en-US" altLang="ko-KR"/>
+              <a:t>9. </a:t>
+            </a:r>
+            <a:r>
+              <a:rPr lang="ko-KR" altLang="en-US"/>
+              <a:t>실패왕</a:t>
             </a:r>
             <a:endParaRPr lang="en-US" altLang="ko-KR"/>
           </a:p>
@@ -5977,6 +6016,99 @@
     <p:extLst>
       <p:ext uri="{BB962C8B-B14F-4D97-AF65-F5344CB8AC3E}">
         <p14:creationId xmlns:p14="http://schemas.microsoft.com/office/powerpoint/2010/main" val="782003686"/>
+      </p:ext>
+    </p:extLst>
+  </p:cSld>
+  <p:clrMapOvr>
+    <a:masterClrMapping/>
+  </p:clrMapOvr>
+</p:sld>
+</file>
+
+<file path=ppt/slides/slide19.xml><?xml version="1.0" encoding="utf-8"?>
+<p:sld xmlns:a="http://schemas.openxmlformats.org/drawingml/2006/main" xmlns:r="http://schemas.openxmlformats.org/officeDocument/2006/relationships" xmlns:p="http://schemas.openxmlformats.org/presentationml/2006/main">
+  <p:cSld>
+    <p:spTree>
+      <p:nvGrpSpPr>
+        <p:cNvPr id="1" name=""/>
+        <p:cNvGrpSpPr/>
+        <p:nvPr/>
+      </p:nvGrpSpPr>
+      <p:grpSpPr>
+        <a:xfrm>
+          <a:off x="0" y="0"/>
+          <a:ext cx="0" cy="0"/>
+          <a:chOff x="0" y="0"/>
+          <a:chExt cx="0" cy="0"/>
+        </a:xfrm>
+      </p:grpSpPr>
+      <p:sp>
+        <p:nvSpPr>
+          <p:cNvPr id="2" name="제목 1">
+            <a:extLst>
+              <a:ext uri="{FF2B5EF4-FFF2-40B4-BE49-F238E27FC236}">
+                <a16:creationId xmlns:a16="http://schemas.microsoft.com/office/drawing/2014/main" id="{2DFAAE6A-B15C-4A35-9929-FACFEA630725}"/>
+              </a:ext>
+            </a:extLst>
+          </p:cNvPr>
+          <p:cNvSpPr>
+            <a:spLocks noGrp="1"/>
+          </p:cNvSpPr>
+          <p:nvPr>
+            <p:ph type="title"/>
+          </p:nvPr>
+        </p:nvSpPr>
+        <p:spPr/>
+        <p:txBody>
+          <a:bodyPr/>
+          <a:lstStyle/>
+          <a:p>
+            <a:r>
+              <a:rPr lang="ko-KR" altLang="en-US"/>
+              <a:t>다른 연구</a:t>
+            </a:r>
+          </a:p>
+        </p:txBody>
+      </p:sp>
+      <p:sp>
+        <p:nvSpPr>
+          <p:cNvPr id="3" name="내용 개체 틀 2">
+            <a:extLst>
+              <a:ext uri="{FF2B5EF4-FFF2-40B4-BE49-F238E27FC236}">
+                <a16:creationId xmlns:a16="http://schemas.microsoft.com/office/drawing/2014/main" id="{C3184A36-29AF-40EF-ABAB-4BE8C985A9BD}"/>
+              </a:ext>
+            </a:extLst>
+          </p:cNvPr>
+          <p:cNvSpPr>
+            <a:spLocks noGrp="1"/>
+          </p:cNvSpPr>
+          <p:nvPr>
+            <p:ph idx="1"/>
+          </p:nvPr>
+        </p:nvSpPr>
+        <p:spPr/>
+        <p:txBody>
+          <a:bodyPr/>
+          <a:lstStyle/>
+          <a:p>
+            <a:r>
+              <a:rPr lang="ko-KR" altLang="en-US"/>
+              <a:t>연구확률 높이기</a:t>
+            </a:r>
+            <a:endParaRPr lang="en-US" altLang="ko-KR"/>
+          </a:p>
+          <a:p>
+            <a:r>
+              <a:rPr lang="ko-KR" altLang="en-US"/>
+              <a:t>환불 비용 증가</a:t>
+            </a:r>
+          </a:p>
+        </p:txBody>
+      </p:sp>
+    </p:spTree>
+    <p:extLst>
+      <p:ext uri="{BB962C8B-B14F-4D97-AF65-F5344CB8AC3E}">
+        <p14:creationId xmlns:p14="http://schemas.microsoft.com/office/powerpoint/2010/main" val="2476806898"/>
       </p:ext>
     </p:extLst>
   </p:cSld>
@@ -6107,6 +6239,562 @@
     <p:extLst>
       <p:ext uri="{BB962C8B-B14F-4D97-AF65-F5344CB8AC3E}">
         <p14:creationId xmlns:p14="http://schemas.microsoft.com/office/powerpoint/2010/main" val="916215830"/>
+      </p:ext>
+    </p:extLst>
+  </p:cSld>
+  <p:clrMapOvr>
+    <a:masterClrMapping/>
+  </p:clrMapOvr>
+</p:sld>
+</file>
+
+<file path=ppt/slides/slide20.xml><?xml version="1.0" encoding="utf-8"?>
+<p:sld xmlns:a="http://schemas.openxmlformats.org/drawingml/2006/main" xmlns:r="http://schemas.openxmlformats.org/officeDocument/2006/relationships" xmlns:p="http://schemas.openxmlformats.org/presentationml/2006/main">
+  <p:cSld>
+    <p:spTree>
+      <p:nvGrpSpPr>
+        <p:cNvPr id="1" name=""/>
+        <p:cNvGrpSpPr/>
+        <p:nvPr/>
+      </p:nvGrpSpPr>
+      <p:grpSpPr>
+        <a:xfrm>
+          <a:off x="0" y="0"/>
+          <a:ext cx="0" cy="0"/>
+          <a:chOff x="0" y="0"/>
+          <a:chExt cx="0" cy="0"/>
+        </a:xfrm>
+      </p:grpSpPr>
+      <p:sp>
+        <p:nvSpPr>
+          <p:cNvPr id="2" name="제목 1">
+            <a:extLst>
+              <a:ext uri="{FF2B5EF4-FFF2-40B4-BE49-F238E27FC236}">
+                <a16:creationId xmlns:a16="http://schemas.microsoft.com/office/drawing/2014/main" id="{ECDC54FF-9666-4AFA-8F60-31F57D7574B9}"/>
+              </a:ext>
+            </a:extLst>
+          </p:cNvPr>
+          <p:cNvSpPr>
+            <a:spLocks noGrp="1"/>
+          </p:cNvSpPr>
+          <p:nvPr>
+            <p:ph type="title"/>
+          </p:nvPr>
+        </p:nvSpPr>
+        <p:spPr/>
+        <p:txBody>
+          <a:bodyPr/>
+          <a:lstStyle/>
+          <a:p>
+            <a:r>
+              <a:rPr lang="ko-KR" altLang="en-US"/>
+              <a:t>아이디어미녕쓰</a:t>
+            </a:r>
+          </a:p>
+        </p:txBody>
+      </p:sp>
+      <p:sp>
+        <p:nvSpPr>
+          <p:cNvPr id="3" name="내용 개체 틀 2">
+            <a:extLst>
+              <a:ext uri="{FF2B5EF4-FFF2-40B4-BE49-F238E27FC236}">
+                <a16:creationId xmlns:a16="http://schemas.microsoft.com/office/drawing/2014/main" id="{74CA2BA1-66FA-4A6F-96AD-8C3857374BC7}"/>
+              </a:ext>
+            </a:extLst>
+          </p:cNvPr>
+          <p:cNvSpPr>
+            <a:spLocks noGrp="1"/>
+          </p:cNvSpPr>
+          <p:nvPr>
+            <p:ph idx="1"/>
+          </p:nvPr>
+        </p:nvSpPr>
+        <p:spPr/>
+        <p:txBody>
+          <a:bodyPr/>
+          <a:lstStyle/>
+          <a:p>
+            <a:r>
+              <a:rPr lang="ko-KR" altLang="en-US"/>
+              <a:t>경쟁 컨텐츠 </a:t>
+            </a:r>
+            <a:r>
+              <a:rPr lang="en-US" altLang="ko-KR"/>
+              <a:t>: </a:t>
+            </a:r>
+            <a:r>
+              <a:rPr lang="ko-KR" altLang="en-US"/>
+              <a:t>채취한 미네랄을 수동으로 등록 </a:t>
+            </a:r>
+            <a:r>
+              <a:rPr lang="en-US" altLang="ko-KR"/>
+              <a:t>(</a:t>
+            </a:r>
+            <a:r>
+              <a:rPr lang="ko-KR" altLang="en-US"/>
+              <a:t>시간제한</a:t>
+            </a:r>
+            <a:r>
+              <a:rPr lang="en-US" altLang="ko-KR"/>
+              <a:t>) &gt; </a:t>
+            </a:r>
+            <a:r>
+              <a:rPr lang="ko-KR" altLang="en-US"/>
+              <a:t>랭킹 </a:t>
+            </a:r>
+            <a:r>
+              <a:rPr lang="en-US" altLang="ko-KR"/>
+              <a:t>&gt; </a:t>
+            </a:r>
+            <a:r>
+              <a:rPr lang="ko-KR" altLang="en-US"/>
+              <a:t>보상</a:t>
+            </a:r>
+            <a:endParaRPr lang="en-US" altLang="ko-KR"/>
+          </a:p>
+          <a:p>
+            <a:r>
+              <a:rPr lang="ko-KR" altLang="en-US"/>
+              <a:t>대장간 컨텐츠 </a:t>
+            </a:r>
+            <a:r>
+              <a:rPr lang="en-US" altLang="ko-KR"/>
+              <a:t>: </a:t>
+            </a:r>
+            <a:r>
+              <a:rPr lang="ko-KR" altLang="en-US"/>
+              <a:t>미네랄 소모해서 무기 만듦</a:t>
+            </a:r>
+            <a:r>
+              <a:rPr lang="en-US" altLang="ko-KR"/>
+              <a:t>. </a:t>
+            </a:r>
+            <a:r>
+              <a:rPr lang="ko-KR" altLang="en-US"/>
+              <a:t>무기 도감</a:t>
+            </a:r>
+            <a:r>
+              <a:rPr lang="en-US" altLang="ko-KR"/>
+              <a:t>. </a:t>
+            </a:r>
+            <a:r>
+              <a:rPr lang="ko-KR" altLang="en-US"/>
+              <a:t>스페셜무기</a:t>
+            </a:r>
+            <a:r>
+              <a:rPr lang="en-US" altLang="ko-KR"/>
+              <a:t>.</a:t>
+            </a:r>
+          </a:p>
+          <a:p>
+            <a:r>
+              <a:rPr lang="ko-KR" altLang="en-US"/>
+              <a:t>이후 컨텐츠 </a:t>
+            </a:r>
+            <a:r>
+              <a:rPr lang="en-US" altLang="ko-KR"/>
+              <a:t>: </a:t>
+            </a:r>
+            <a:r>
+              <a:rPr lang="ko-KR" altLang="en-US"/>
+              <a:t>몬스터행성 </a:t>
+            </a:r>
+            <a:r>
+              <a:rPr lang="en-US" altLang="ko-KR"/>
+              <a:t>: </a:t>
+            </a:r>
+            <a:r>
+              <a:rPr lang="ko-KR" altLang="en-US"/>
+              <a:t>이걸 적절히 계쏙 신경써줘서 없애줘야됨 일정 </a:t>
+            </a:r>
+            <a:r>
+              <a:rPr lang="en-US" altLang="ko-KR"/>
+              <a:t>(</a:t>
+            </a:r>
+            <a:r>
+              <a:rPr lang="ko-KR" altLang="en-US"/>
+              <a:t>마린 훈련해줘야돼</a:t>
+            </a:r>
+            <a:r>
+              <a:rPr lang="en-US" altLang="ko-KR"/>
+              <a:t>) </a:t>
+            </a:r>
+            <a:r>
+              <a:rPr lang="ko-KR" altLang="en-US"/>
+              <a:t>마린 강화</a:t>
+            </a:r>
+            <a:r>
+              <a:rPr lang="en-US" altLang="ko-KR"/>
+              <a:t>, </a:t>
+            </a:r>
+            <a:r>
+              <a:rPr lang="ko-KR" altLang="en-US"/>
+              <a:t>수</a:t>
+            </a:r>
+            <a:r>
+              <a:rPr lang="en-US" altLang="ko-KR"/>
+              <a:t>, </a:t>
+            </a:r>
+            <a:r>
+              <a:rPr lang="ko-KR" altLang="en-US"/>
+              <a:t>괴물들한데 지면 디버프</a:t>
+            </a:r>
+            <a:r>
+              <a:rPr lang="en-US" altLang="ko-KR"/>
+              <a:t>. </a:t>
+            </a:r>
+            <a:r>
+              <a:rPr lang="ko-KR" altLang="en-US"/>
+              <a:t>이기면 버프 </a:t>
+            </a:r>
+          </a:p>
+        </p:txBody>
+      </p:sp>
+    </p:spTree>
+    <p:extLst>
+      <p:ext uri="{BB962C8B-B14F-4D97-AF65-F5344CB8AC3E}">
+        <p14:creationId xmlns:p14="http://schemas.microsoft.com/office/powerpoint/2010/main" val="1390174838"/>
+      </p:ext>
+    </p:extLst>
+  </p:cSld>
+  <p:clrMapOvr>
+    <a:masterClrMapping/>
+  </p:clrMapOvr>
+</p:sld>
+</file>
+
+<file path=ppt/slides/slide21.xml><?xml version="1.0" encoding="utf-8"?>
+<p:sld xmlns:a="http://schemas.openxmlformats.org/drawingml/2006/main" xmlns:r="http://schemas.openxmlformats.org/officeDocument/2006/relationships" xmlns:p="http://schemas.openxmlformats.org/presentationml/2006/main">
+  <p:cSld>
+    <p:spTree>
+      <p:nvGrpSpPr>
+        <p:cNvPr id="1" name=""/>
+        <p:cNvGrpSpPr/>
+        <p:nvPr/>
+      </p:nvGrpSpPr>
+      <p:grpSpPr>
+        <a:xfrm>
+          <a:off x="0" y="0"/>
+          <a:ext cx="0" cy="0"/>
+          <a:chOff x="0" y="0"/>
+          <a:chExt cx="0" cy="0"/>
+        </a:xfrm>
+      </p:grpSpPr>
+      <p:sp>
+        <p:nvSpPr>
+          <p:cNvPr id="2" name="제목 1">
+            <a:extLst>
+              <a:ext uri="{FF2B5EF4-FFF2-40B4-BE49-F238E27FC236}">
+                <a16:creationId xmlns:a16="http://schemas.microsoft.com/office/drawing/2014/main" id="{6967D036-99ED-40AE-BEFF-BC7A1A27E64F}"/>
+              </a:ext>
+            </a:extLst>
+          </p:cNvPr>
+          <p:cNvSpPr>
+            <a:spLocks noGrp="1"/>
+          </p:cNvSpPr>
+          <p:nvPr>
+            <p:ph type="title"/>
+          </p:nvPr>
+        </p:nvSpPr>
+        <p:spPr/>
+        <p:txBody>
+          <a:bodyPr/>
+          <a:lstStyle/>
+          <a:p>
+            <a:r>
+              <a:rPr lang="ko-KR" altLang="en-US"/>
+              <a:t>고민</a:t>
+            </a:r>
+          </a:p>
+        </p:txBody>
+      </p:sp>
+      <p:sp>
+        <p:nvSpPr>
+          <p:cNvPr id="3" name="내용 개체 틀 2">
+            <a:extLst>
+              <a:ext uri="{FF2B5EF4-FFF2-40B4-BE49-F238E27FC236}">
+                <a16:creationId xmlns:a16="http://schemas.microsoft.com/office/drawing/2014/main" id="{C545B9EF-D94E-4592-9198-9C316064B793}"/>
+              </a:ext>
+            </a:extLst>
+          </p:cNvPr>
+          <p:cNvSpPr>
+            <a:spLocks noGrp="1"/>
+          </p:cNvSpPr>
+          <p:nvPr>
+            <p:ph idx="1"/>
+          </p:nvPr>
+        </p:nvSpPr>
+        <p:spPr/>
+        <p:txBody>
+          <a:bodyPr/>
+          <a:lstStyle/>
+          <a:p>
+            <a:r>
+              <a:rPr lang="ko-KR" altLang="en-US"/>
+              <a:t>스팀 </a:t>
+            </a:r>
+            <a:r>
+              <a:rPr lang="en-US" altLang="ko-KR"/>
+              <a:t>60</a:t>
+            </a:r>
+            <a:r>
+              <a:rPr lang="ko-KR" altLang="en-US"/>
+              <a:t>초 </a:t>
+            </a:r>
+            <a:r>
+              <a:rPr lang="en-US" altLang="ko-KR"/>
+              <a:t>, </a:t>
+            </a:r>
+            <a:r>
+              <a:rPr lang="ko-KR" altLang="en-US"/>
+              <a:t>자동 설정 온오프 </a:t>
+            </a:r>
+            <a:r>
+              <a:rPr lang="en-US" altLang="ko-KR"/>
+              <a:t>or </a:t>
+            </a:r>
+            <a:r>
+              <a:rPr lang="ko-KR" altLang="en-US"/>
+              <a:t>스팀 </a:t>
+            </a:r>
+            <a:r>
+              <a:rPr lang="en-US" altLang="ko-KR"/>
+              <a:t>5</a:t>
+            </a:r>
+            <a:r>
+              <a:rPr lang="ko-KR" altLang="en-US"/>
+              <a:t>분</a:t>
+            </a:r>
+            <a:r>
+              <a:rPr lang="en-US" altLang="ko-KR"/>
+              <a:t>, </a:t>
+            </a:r>
+            <a:r>
+              <a:rPr lang="ko-KR" altLang="en-US"/>
+              <a:t>자동 설정 없음</a:t>
+            </a:r>
+            <a:r>
+              <a:rPr lang="en-US" altLang="ko-KR"/>
+              <a:t>.</a:t>
+            </a:r>
+            <a:endParaRPr lang="ko-KR" altLang="en-US"/>
+          </a:p>
+        </p:txBody>
+      </p:sp>
+    </p:spTree>
+    <p:extLst>
+      <p:ext uri="{BB962C8B-B14F-4D97-AF65-F5344CB8AC3E}">
+        <p14:creationId xmlns:p14="http://schemas.microsoft.com/office/powerpoint/2010/main" val="1592890605"/>
+      </p:ext>
+    </p:extLst>
+  </p:cSld>
+  <p:clrMapOvr>
+    <a:masterClrMapping/>
+  </p:clrMapOvr>
+</p:sld>
+</file>
+
+<file path=ppt/slides/slide22.xml><?xml version="1.0" encoding="utf-8"?>
+<p:sld xmlns:a="http://schemas.openxmlformats.org/drawingml/2006/main" xmlns:r="http://schemas.openxmlformats.org/officeDocument/2006/relationships" xmlns:p="http://schemas.openxmlformats.org/presentationml/2006/main">
+  <p:cSld>
+    <p:spTree>
+      <p:nvGrpSpPr>
+        <p:cNvPr id="1" name=""/>
+        <p:cNvGrpSpPr/>
+        <p:nvPr/>
+      </p:nvGrpSpPr>
+      <p:grpSpPr>
+        <a:xfrm>
+          <a:off x="0" y="0"/>
+          <a:ext cx="0" cy="0"/>
+          <a:chOff x="0" y="0"/>
+          <a:chExt cx="0" cy="0"/>
+        </a:xfrm>
+      </p:grpSpPr>
+      <p:sp>
+        <p:nvSpPr>
+          <p:cNvPr id="2" name="제목 1">
+            <a:extLst>
+              <a:ext uri="{FF2B5EF4-FFF2-40B4-BE49-F238E27FC236}">
+                <a16:creationId xmlns:a16="http://schemas.microsoft.com/office/drawing/2014/main" id="{3D648B8A-2257-4588-A737-A7ABF60650F8}"/>
+              </a:ext>
+            </a:extLst>
+          </p:cNvPr>
+          <p:cNvSpPr>
+            <a:spLocks noGrp="1"/>
+          </p:cNvSpPr>
+          <p:nvPr>
+            <p:ph type="title"/>
+          </p:nvPr>
+        </p:nvSpPr>
+        <p:spPr/>
+        <p:txBody>
+          <a:bodyPr/>
+          <a:lstStyle/>
+          <a:p>
+            <a:r>
+              <a:rPr lang="ko-KR" altLang="en-US"/>
+              <a:t>코인 시스템</a:t>
+            </a:r>
+          </a:p>
+        </p:txBody>
+      </p:sp>
+      <p:sp>
+        <p:nvSpPr>
+          <p:cNvPr id="3" name="내용 개체 틀 2">
+            <a:extLst>
+              <a:ext uri="{FF2B5EF4-FFF2-40B4-BE49-F238E27FC236}">
+                <a16:creationId xmlns:a16="http://schemas.microsoft.com/office/drawing/2014/main" id="{F9D592CA-628E-4405-B9FD-D0AE4D2E542A}"/>
+              </a:ext>
+            </a:extLst>
+          </p:cNvPr>
+          <p:cNvSpPr>
+            <a:spLocks noGrp="1"/>
+          </p:cNvSpPr>
+          <p:nvPr>
+            <p:ph idx="1"/>
+          </p:nvPr>
+        </p:nvSpPr>
+        <p:spPr/>
+        <p:txBody>
+          <a:bodyPr/>
+          <a:lstStyle/>
+          <a:p>
+            <a:r>
+              <a:rPr lang="ko-KR" altLang="en-US"/>
+              <a:t>코인 획득 방법 </a:t>
+            </a:r>
+            <a:r>
+              <a:rPr lang="en-US" altLang="ko-KR"/>
+              <a:t>: </a:t>
+            </a:r>
+            <a:r>
+              <a:rPr lang="ko-KR" altLang="en-US"/>
+              <a:t>업적</a:t>
+            </a:r>
+            <a:r>
+              <a:rPr lang="en-US" altLang="ko-KR"/>
+              <a:t> / </a:t>
+            </a:r>
+            <a:r>
+              <a:rPr lang="ko-KR" altLang="en-US"/>
+              <a:t>현금 구매</a:t>
+            </a:r>
+            <a:endParaRPr lang="en-US" altLang="ko-KR"/>
+          </a:p>
+          <a:p>
+            <a:endParaRPr lang="en-US" altLang="ko-KR"/>
+          </a:p>
+          <a:p>
+            <a:r>
+              <a:rPr lang="en-US" altLang="ko-KR"/>
+              <a:t>1</a:t>
+            </a:r>
+            <a:r>
+              <a:rPr lang="ko-KR" altLang="en-US"/>
+              <a:t>코인 </a:t>
+            </a:r>
+            <a:r>
+              <a:rPr lang="en-US" altLang="ko-KR"/>
+              <a:t>: 1100</a:t>
+            </a:r>
+            <a:r>
+              <a:rPr lang="ko-KR" altLang="en-US"/>
+              <a:t>원</a:t>
+            </a:r>
+            <a:endParaRPr lang="en-US" altLang="ko-KR"/>
+          </a:p>
+          <a:p>
+            <a:r>
+              <a:rPr lang="ko-KR" altLang="en-US"/>
+              <a:t>시세 </a:t>
+            </a:r>
+            <a:r>
+              <a:rPr lang="en-US" altLang="ko-KR"/>
+              <a:t>: </a:t>
+            </a:r>
+          </a:p>
+          <a:p>
+            <a:r>
+              <a:rPr lang="en-US" altLang="ko-KR"/>
+              <a:t>1</a:t>
+            </a:r>
+            <a:r>
+              <a:rPr lang="ko-KR" altLang="en-US"/>
+              <a:t>코인 </a:t>
+            </a:r>
+            <a:r>
+              <a:rPr lang="en-US" altLang="ko-KR"/>
+              <a:t>= </a:t>
+            </a:r>
+            <a:r>
+              <a:rPr lang="ko-KR" altLang="en-US"/>
+              <a:t>스팀팩 </a:t>
+            </a:r>
+            <a:r>
+              <a:rPr lang="en-US" altLang="ko-KR"/>
+              <a:t>50</a:t>
+            </a:r>
+            <a:r>
+              <a:rPr lang="ko-KR" altLang="en-US"/>
+              <a:t>개씩</a:t>
+            </a:r>
+            <a:r>
+              <a:rPr lang="en-US" altLang="ko-KR"/>
+              <a:t> = </a:t>
+            </a:r>
+            <a:r>
+              <a:rPr lang="ko-KR" altLang="en-US"/>
+              <a:t>랜덤상자 </a:t>
+            </a:r>
+            <a:r>
+              <a:rPr lang="en-US" altLang="ko-KR"/>
+              <a:t>10</a:t>
+            </a:r>
+            <a:r>
+              <a:rPr lang="ko-KR" altLang="en-US"/>
+              <a:t>개</a:t>
+            </a:r>
+            <a:r>
+              <a:rPr lang="en-US" altLang="ko-KR"/>
+              <a:t> = </a:t>
+            </a:r>
+            <a:r>
+              <a:rPr lang="ko-KR" altLang="en-US"/>
+              <a:t>자동가스충전 </a:t>
+            </a:r>
+            <a:r>
+              <a:rPr lang="en-US" altLang="ko-KR"/>
+              <a:t>50</a:t>
+            </a:r>
+            <a:r>
+              <a:rPr lang="ko-KR" altLang="en-US"/>
+              <a:t>회</a:t>
+            </a:r>
+            <a:r>
+              <a:rPr lang="en-US" altLang="ko-KR"/>
+              <a:t> = </a:t>
+            </a:r>
+            <a:r>
+              <a:rPr lang="ko-KR" altLang="en-US"/>
+              <a:t>자동수집 </a:t>
+            </a:r>
+            <a:r>
+              <a:rPr lang="en-US" altLang="ko-KR"/>
+              <a:t>50</a:t>
+            </a:r>
+            <a:r>
+              <a:rPr lang="ko-KR" altLang="en-US"/>
+              <a:t>회</a:t>
+            </a:r>
+            <a:endParaRPr lang="en-US" altLang="ko-KR"/>
+          </a:p>
+        </p:txBody>
+      </p:sp>
+    </p:spTree>
+    <p:extLst>
+      <p:ext uri="{BB962C8B-B14F-4D97-AF65-F5344CB8AC3E}">
+        <p14:creationId xmlns:p14="http://schemas.microsoft.com/office/powerpoint/2010/main" val="1209762500"/>
       </p:ext>
     </p:extLst>
   </p:cSld>

--- a/SCV 24 기획안.pptx
+++ b/SCV 24 기획안.pptx
@@ -38,9 +38,12 @@
     <p:sldId id="285" r:id="rId32"/>
     <p:sldId id="278" r:id="rId33"/>
     <p:sldId id="279" r:id="rId34"/>
-    <p:sldId id="281" r:id="rId35"/>
-    <p:sldId id="287" r:id="rId36"/>
-    <p:sldId id="280" r:id="rId37"/>
+    <p:sldId id="292" r:id="rId35"/>
+    <p:sldId id="281" r:id="rId36"/>
+    <p:sldId id="287" r:id="rId37"/>
+    <p:sldId id="280" r:id="rId38"/>
+    <p:sldId id="293" r:id="rId39"/>
+    <p:sldId id="294" r:id="rId40"/>
   </p:sldIdLst>
   <p:sldSz cx="12192000" cy="6858000"/>
   <p:notesSz cx="6858000" cy="9144000"/>
@@ -333,7 +336,7 @@
           <a:p>
             <a:fld id="{5B65694D-18AE-4730-B44F-7338E876E40B}" type="datetimeFigureOut">
               <a:rPr lang="ko-KR" altLang="en-US" smtClean="0"/>
-              <a:t>2021-03-26(Fri)</a:t>
+              <a:t>2021-04-07(Wed)</a:t>
             </a:fld>
             <a:endParaRPr lang="ko-KR" altLang="en-US"/>
           </a:p>
@@ -608,7 +611,7 @@
           <a:p>
             <a:fld id="{5B65694D-18AE-4730-B44F-7338E876E40B}" type="datetimeFigureOut">
               <a:rPr lang="ko-KR" altLang="en-US" smtClean="0"/>
-              <a:t>2021-03-26(Fri)</a:t>
+              <a:t>2021-04-07(Wed)</a:t>
             </a:fld>
             <a:endParaRPr lang="ko-KR" altLang="en-US"/>
           </a:p>
@@ -802,7 +805,7 @@
           <a:p>
             <a:fld id="{5B65694D-18AE-4730-B44F-7338E876E40B}" type="datetimeFigureOut">
               <a:rPr lang="ko-KR" altLang="en-US" smtClean="0"/>
-              <a:t>2021-03-26(Fri)</a:t>
+              <a:t>2021-04-07(Wed)</a:t>
             </a:fld>
             <a:endParaRPr lang="ko-KR" altLang="en-US"/>
           </a:p>
@@ -1075,7 +1078,7 @@
           <a:p>
             <a:fld id="{5B65694D-18AE-4730-B44F-7338E876E40B}" type="datetimeFigureOut">
               <a:rPr lang="ko-KR" altLang="en-US" smtClean="0"/>
-              <a:t>2021-03-26(Fri)</a:t>
+              <a:t>2021-04-07(Wed)</a:t>
             </a:fld>
             <a:endParaRPr lang="ko-KR" altLang="en-US"/>
           </a:p>
@@ -1416,7 +1419,7 @@
           <a:p>
             <a:fld id="{5B65694D-18AE-4730-B44F-7338E876E40B}" type="datetimeFigureOut">
               <a:rPr lang="ko-KR" altLang="en-US" smtClean="0"/>
-              <a:t>2021-03-26(Fri)</a:t>
+              <a:t>2021-04-07(Wed)</a:t>
             </a:fld>
             <a:endParaRPr lang="ko-KR" altLang="en-US"/>
           </a:p>
@@ -2039,7 +2042,7 @@
           <a:p>
             <a:fld id="{5B65694D-18AE-4730-B44F-7338E876E40B}" type="datetimeFigureOut">
               <a:rPr lang="ko-KR" altLang="en-US" smtClean="0"/>
-              <a:t>2021-03-26(Fri)</a:t>
+              <a:t>2021-04-07(Wed)</a:t>
             </a:fld>
             <a:endParaRPr lang="ko-KR" altLang="en-US"/>
           </a:p>
@@ -2899,7 +2902,7 @@
           <a:p>
             <a:fld id="{5B65694D-18AE-4730-B44F-7338E876E40B}" type="datetimeFigureOut">
               <a:rPr lang="ko-KR" altLang="en-US" smtClean="0"/>
-              <a:t>2021-03-26(Fri)</a:t>
+              <a:t>2021-04-07(Wed)</a:t>
             </a:fld>
             <a:endParaRPr lang="ko-KR" altLang="en-US"/>
           </a:p>
@@ -3069,7 +3072,7 @@
           <a:p>
             <a:fld id="{5B65694D-18AE-4730-B44F-7338E876E40B}" type="datetimeFigureOut">
               <a:rPr lang="ko-KR" altLang="en-US" smtClean="0"/>
-              <a:t>2021-03-26(Fri)</a:t>
+              <a:t>2021-04-07(Wed)</a:t>
             </a:fld>
             <a:endParaRPr lang="ko-KR" altLang="en-US"/>
           </a:p>
@@ -3249,7 +3252,7 @@
           <a:p>
             <a:fld id="{5B65694D-18AE-4730-B44F-7338E876E40B}" type="datetimeFigureOut">
               <a:rPr lang="ko-KR" altLang="en-US" smtClean="0"/>
-              <a:t>2021-03-26(Fri)</a:t>
+              <a:t>2021-04-07(Wed)</a:t>
             </a:fld>
             <a:endParaRPr lang="ko-KR" altLang="en-US"/>
           </a:p>
@@ -3419,7 +3422,7 @@
           <a:p>
             <a:fld id="{5B65694D-18AE-4730-B44F-7338E876E40B}" type="datetimeFigureOut">
               <a:rPr lang="ko-KR" altLang="en-US" smtClean="0"/>
-              <a:t>2021-03-26(Fri)</a:t>
+              <a:t>2021-04-07(Wed)</a:t>
             </a:fld>
             <a:endParaRPr lang="ko-KR" altLang="en-US"/>
           </a:p>
@@ -3666,7 +3669,7 @@
           <a:p>
             <a:fld id="{5B65694D-18AE-4730-B44F-7338E876E40B}" type="datetimeFigureOut">
               <a:rPr lang="ko-KR" altLang="en-US" smtClean="0"/>
-              <a:t>2021-03-26(Fri)</a:t>
+              <a:t>2021-04-07(Wed)</a:t>
             </a:fld>
             <a:endParaRPr lang="ko-KR" altLang="en-US"/>
           </a:p>
@@ -3958,7 +3961,7 @@
           <a:p>
             <a:fld id="{5B65694D-18AE-4730-B44F-7338E876E40B}" type="datetimeFigureOut">
               <a:rPr lang="ko-KR" altLang="en-US" smtClean="0"/>
-              <a:t>2021-03-26(Fri)</a:t>
+              <a:t>2021-04-07(Wed)</a:t>
             </a:fld>
             <a:endParaRPr lang="ko-KR" altLang="en-US"/>
           </a:p>
@@ -4402,7 +4405,7 @@
           <a:p>
             <a:fld id="{5B65694D-18AE-4730-B44F-7338E876E40B}" type="datetimeFigureOut">
               <a:rPr lang="ko-KR" altLang="en-US" smtClean="0"/>
-              <a:t>2021-03-26(Fri)</a:t>
+              <a:t>2021-04-07(Wed)</a:t>
             </a:fld>
             <a:endParaRPr lang="ko-KR" altLang="en-US"/>
           </a:p>
@@ -4520,7 +4523,7 @@
           <a:p>
             <a:fld id="{5B65694D-18AE-4730-B44F-7338E876E40B}" type="datetimeFigureOut">
               <a:rPr lang="ko-KR" altLang="en-US" smtClean="0"/>
-              <a:t>2021-03-26(Fri)</a:t>
+              <a:t>2021-04-07(Wed)</a:t>
             </a:fld>
             <a:endParaRPr lang="ko-KR" altLang="en-US"/>
           </a:p>
@@ -4615,7 +4618,7 @@
           <a:p>
             <a:fld id="{5B65694D-18AE-4730-B44F-7338E876E40B}" type="datetimeFigureOut">
               <a:rPr lang="ko-KR" altLang="en-US" smtClean="0"/>
-              <a:t>2021-03-26(Fri)</a:t>
+              <a:t>2021-04-07(Wed)</a:t>
             </a:fld>
             <a:endParaRPr lang="ko-KR" altLang="en-US"/>
           </a:p>
@@ -4894,7 +4897,7 @@
           <a:p>
             <a:fld id="{5B65694D-18AE-4730-B44F-7338E876E40B}" type="datetimeFigureOut">
               <a:rPr lang="ko-KR" altLang="en-US" smtClean="0"/>
-              <a:t>2021-03-26(Fri)</a:t>
+              <a:t>2021-04-07(Wed)</a:t>
             </a:fld>
             <a:endParaRPr lang="ko-KR" altLang="en-US"/>
           </a:p>
@@ -5169,7 +5172,7 @@
           <a:p>
             <a:fld id="{5B65694D-18AE-4730-B44F-7338E876E40B}" type="datetimeFigureOut">
               <a:rPr lang="ko-KR" altLang="en-US" smtClean="0"/>
-              <a:t>2021-03-26(Fri)</a:t>
+              <a:t>2021-04-07(Wed)</a:t>
             </a:fld>
             <a:endParaRPr lang="ko-KR" altLang="en-US"/>
           </a:p>
@@ -5598,7 +5601,7 @@
           <a:p>
             <a:fld id="{5B65694D-18AE-4730-B44F-7338E876E40B}" type="datetimeFigureOut">
               <a:rPr lang="ko-KR" altLang="en-US" smtClean="0"/>
-              <a:t>2021-03-26(Fri)</a:t>
+              <a:t>2021-04-07(Wed)</a:t>
             </a:fld>
             <a:endParaRPr lang="ko-KR" altLang="en-US"/>
           </a:p>
@@ -14566,6 +14569,340 @@
             <p:ph type="title"/>
           </p:nvPr>
         </p:nvSpPr>
+        <p:spPr>
+          <a:xfrm>
+            <a:off x="648931" y="629266"/>
+            <a:ext cx="4166510" cy="1622321"/>
+          </a:xfrm>
+        </p:spPr>
+        <p:txBody>
+          <a:bodyPr>
+            <a:normAutofit/>
+          </a:bodyPr>
+          <a:lstStyle/>
+          <a:p>
+            <a:r>
+              <a:rPr lang="ko-KR" altLang="en-US">
+                <a:solidFill>
+                  <a:srgbClr val="EBEBEB"/>
+                </a:solidFill>
+              </a:rPr>
+              <a:t>건설 </a:t>
+            </a:r>
+            <a:r>
+              <a:rPr lang="en-US" altLang="ko-KR">
+                <a:solidFill>
+                  <a:srgbClr val="EBEBEB"/>
+                </a:solidFill>
+              </a:rPr>
+              <a:t>_ </a:t>
+            </a:r>
+            <a:r>
+              <a:rPr lang="ko-KR" altLang="en-US">
+                <a:solidFill>
+                  <a:srgbClr val="EBEBEB"/>
+                </a:solidFill>
+              </a:rPr>
+              <a:t>학교</a:t>
+            </a:r>
+            <a:r>
+              <a:rPr lang="en-US" altLang="ko-KR">
+                <a:solidFill>
+                  <a:srgbClr val="EBEBEB"/>
+                </a:solidFill>
+              </a:rPr>
+              <a:t>(</a:t>
+            </a:r>
+            <a:r>
+              <a:rPr lang="ko-KR" altLang="en-US">
+                <a:solidFill>
+                  <a:srgbClr val="EBEBEB"/>
+                </a:solidFill>
+              </a:rPr>
+              <a:t>가제</a:t>
+            </a:r>
+            <a:r>
+              <a:rPr lang="en-US" altLang="ko-KR">
+                <a:solidFill>
+                  <a:srgbClr val="EBEBEB"/>
+                </a:solidFill>
+              </a:rPr>
+              <a:t>)</a:t>
+            </a:r>
+            <a:endParaRPr lang="ko-KR" altLang="en-US">
+              <a:solidFill>
+                <a:srgbClr val="EBEBEB"/>
+              </a:solidFill>
+            </a:endParaRPr>
+          </a:p>
+        </p:txBody>
+      </p:sp>
+      <p:pic>
+        <p:nvPicPr>
+          <p:cNvPr id="5" name="그림 4">
+            <a:extLst>
+              <a:ext uri="{FF2B5EF4-FFF2-40B4-BE49-F238E27FC236}">
+                <a16:creationId xmlns:a16="http://schemas.microsoft.com/office/drawing/2014/main" id="{1056F868-DA30-48D1-ADA0-3E259A5DC3E6}"/>
+              </a:ext>
+            </a:extLst>
+          </p:cNvPr>
+          <p:cNvPicPr>
+            <a:picLocks noChangeAspect="1"/>
+          </p:cNvPicPr>
+          <p:nvPr/>
+        </p:nvPicPr>
+        <p:blipFill>
+          <a:blip r:embed="rId2">
+            <a:extLst>
+              <a:ext uri="{28A0092B-C50C-407E-A947-70E740481C1C}">
+                <a14:useLocalDpi xmlns:a14="http://schemas.microsoft.com/office/drawing/2010/main" val="0"/>
+              </a:ext>
+            </a:extLst>
+          </a:blip>
+          <a:stretch>
+            <a:fillRect/>
+          </a:stretch>
+        </p:blipFill>
+        <p:spPr>
+          <a:xfrm>
+            <a:off x="6093992" y="704054"/>
+            <a:ext cx="5449889" cy="5449889"/>
+          </a:xfrm>
+          <a:prstGeom prst="rect">
+            <a:avLst/>
+          </a:prstGeom>
+          <a:effectLst/>
+        </p:spPr>
+      </p:pic>
+      <p:sp>
+        <p:nvSpPr>
+          <p:cNvPr id="3" name="내용 개체 틀 2">
+            <a:extLst>
+              <a:ext uri="{FF2B5EF4-FFF2-40B4-BE49-F238E27FC236}">
+                <a16:creationId xmlns:a16="http://schemas.microsoft.com/office/drawing/2014/main" id="{D4D3A025-312C-4F51-96A9-2DCB50745CDE}"/>
+              </a:ext>
+            </a:extLst>
+          </p:cNvPr>
+          <p:cNvSpPr>
+            <a:spLocks noGrp="1"/>
+          </p:cNvSpPr>
+          <p:nvPr>
+            <p:ph idx="1"/>
+          </p:nvPr>
+        </p:nvSpPr>
+        <p:spPr>
+          <a:xfrm>
+            <a:off x="648931" y="2438400"/>
+            <a:ext cx="4166509" cy="3785419"/>
+          </a:xfrm>
+        </p:spPr>
+        <p:txBody>
+          <a:bodyPr>
+            <a:normAutofit/>
+          </a:bodyPr>
+          <a:lstStyle/>
+          <a:p>
+            <a:pPr>
+              <a:lnSpc>
+                <a:spcPct val="90000"/>
+              </a:lnSpc>
+            </a:pPr>
+            <a:r>
+              <a:rPr lang="ko-KR" altLang="en-US" sz="1700">
+                <a:solidFill>
+                  <a:srgbClr val="EBEBEB"/>
+                </a:solidFill>
+              </a:rPr>
+              <a:t>학교는 스팀팩 등의 버프를 강화할 수 있는 건물</a:t>
+            </a:r>
+            <a:r>
+              <a:rPr lang="en-US" altLang="ko-KR" sz="1700">
+                <a:solidFill>
+                  <a:srgbClr val="EBEBEB"/>
+                </a:solidFill>
+              </a:rPr>
+              <a:t>.</a:t>
+            </a:r>
+          </a:p>
+          <a:p>
+            <a:pPr>
+              <a:lnSpc>
+                <a:spcPct val="90000"/>
+              </a:lnSpc>
+            </a:pPr>
+            <a:r>
+              <a:rPr lang="ko-KR" altLang="en-US" sz="1700">
+                <a:solidFill>
+                  <a:srgbClr val="EBEBEB"/>
+                </a:solidFill>
+              </a:rPr>
+              <a:t>지속시간</a:t>
+            </a:r>
+            <a:r>
+              <a:rPr lang="en-US" altLang="ko-KR" sz="1700">
+                <a:solidFill>
+                  <a:srgbClr val="EBEBEB"/>
+                </a:solidFill>
+              </a:rPr>
+              <a:t>/</a:t>
+            </a:r>
+            <a:r>
+              <a:rPr lang="ko-KR" altLang="en-US" sz="1700">
+                <a:solidFill>
+                  <a:srgbClr val="EBEBEB"/>
+                </a:solidFill>
+              </a:rPr>
+              <a:t>이동속도</a:t>
+            </a:r>
+            <a:r>
+              <a:rPr lang="en-US" altLang="ko-KR" sz="1700">
+                <a:solidFill>
+                  <a:srgbClr val="EBEBEB"/>
+                </a:solidFill>
+              </a:rPr>
+              <a:t>/</a:t>
+            </a:r>
+            <a:r>
+              <a:rPr lang="ko-KR" altLang="en-US" sz="1700">
+                <a:solidFill>
+                  <a:srgbClr val="EBEBEB"/>
+                </a:solidFill>
+              </a:rPr>
+              <a:t>채취량</a:t>
+            </a:r>
+            <a:r>
+              <a:rPr lang="en-US" altLang="ko-KR" sz="1700">
+                <a:solidFill>
+                  <a:srgbClr val="EBEBEB"/>
+                </a:solidFill>
+              </a:rPr>
+              <a:t>/(</a:t>
+            </a:r>
+            <a:r>
+              <a:rPr lang="ko-KR" altLang="en-US" sz="1700">
+                <a:solidFill>
+                  <a:srgbClr val="EBEBEB"/>
+                </a:solidFill>
+              </a:rPr>
+              <a:t>반물질 발굴확률</a:t>
+            </a:r>
+            <a:r>
+              <a:rPr lang="en-US" altLang="ko-KR" sz="1700">
+                <a:solidFill>
+                  <a:srgbClr val="EBEBEB"/>
+                </a:solidFill>
+              </a:rPr>
+              <a:t>)</a:t>
+            </a:r>
+          </a:p>
+          <a:p>
+            <a:pPr>
+              <a:lnSpc>
+                <a:spcPct val="90000"/>
+              </a:lnSpc>
+            </a:pPr>
+            <a:r>
+              <a:rPr lang="ko-KR" altLang="en-US" sz="1700">
+                <a:solidFill>
+                  <a:srgbClr val="EBEBEB"/>
+                </a:solidFill>
+              </a:rPr>
+              <a:t>채취로봇 다음 단계 잠금을 해제하려면 연구점수를 소모하여 </a:t>
+            </a:r>
+            <a:r>
+              <a:rPr lang="en-US" altLang="ko-KR" sz="1700">
+                <a:solidFill>
+                  <a:srgbClr val="EBEBEB"/>
+                </a:solidFill>
+              </a:rPr>
+              <a:t>“</a:t>
+            </a:r>
+            <a:r>
+              <a:rPr lang="ko-KR" altLang="en-US" sz="1700">
+                <a:solidFill>
+                  <a:srgbClr val="EBEBEB"/>
+                </a:solidFill>
+              </a:rPr>
+              <a:t>연구</a:t>
+            </a:r>
+            <a:r>
+              <a:rPr lang="en-US" altLang="ko-KR" sz="1700">
+                <a:solidFill>
+                  <a:srgbClr val="EBEBEB"/>
+                </a:solidFill>
+              </a:rPr>
+              <a:t>”</a:t>
+            </a:r>
+            <a:r>
+              <a:rPr lang="ko-KR" altLang="en-US" sz="1700">
+                <a:solidFill>
+                  <a:srgbClr val="EBEBEB"/>
+                </a:solidFill>
+              </a:rPr>
+              <a:t>를 성공 해야함</a:t>
+            </a:r>
+            <a:r>
+              <a:rPr lang="en-US" altLang="ko-KR" sz="1700">
+                <a:solidFill>
+                  <a:srgbClr val="EBEBEB"/>
+                </a:solidFill>
+              </a:rPr>
+              <a:t>.</a:t>
+            </a:r>
+            <a:endParaRPr lang="ko-KR" altLang="en-US" sz="1700">
+              <a:solidFill>
+                <a:srgbClr val="EBEBEB"/>
+              </a:solidFill>
+            </a:endParaRPr>
+          </a:p>
+        </p:txBody>
+      </p:sp>
+    </p:spTree>
+    <p:extLst>
+      <p:ext uri="{BB962C8B-B14F-4D97-AF65-F5344CB8AC3E}">
+        <p14:creationId xmlns:p14="http://schemas.microsoft.com/office/powerpoint/2010/main" val="2361425688"/>
+      </p:ext>
+    </p:extLst>
+  </p:cSld>
+  <p:clrMapOvr>
+    <a:masterClrMapping/>
+  </p:clrMapOvr>
+</p:sld>
+</file>
+
+<file path=ppt/slides/slide35.xml><?xml version="1.0" encoding="utf-8"?>
+<p:sld xmlns:a="http://schemas.openxmlformats.org/drawingml/2006/main" xmlns:r="http://schemas.openxmlformats.org/officeDocument/2006/relationships" xmlns:p="http://schemas.openxmlformats.org/presentationml/2006/main">
+  <p:cSld>
+    <p:spTree>
+      <p:nvGrpSpPr>
+        <p:cNvPr id="1" name=""/>
+        <p:cNvGrpSpPr/>
+        <p:nvPr/>
+      </p:nvGrpSpPr>
+      <p:grpSpPr>
+        <a:xfrm>
+          <a:off x="0" y="0"/>
+          <a:ext cx="0" cy="0"/>
+          <a:chOff x="0" y="0"/>
+          <a:chExt cx="0" cy="0"/>
+        </a:xfrm>
+      </p:grpSpPr>
+      <p:sp>
+        <p:nvSpPr>
+          <p:cNvPr id="2" name="제목 1">
+            <a:extLst>
+              <a:ext uri="{FF2B5EF4-FFF2-40B4-BE49-F238E27FC236}">
+                <a16:creationId xmlns:a16="http://schemas.microsoft.com/office/drawing/2014/main" id="{87F6DCD6-4F36-4E6A-A7CC-6F0E69D0F6DD}"/>
+              </a:ext>
+            </a:extLst>
+          </p:cNvPr>
+          <p:cNvSpPr>
+            <a:spLocks noGrp="1"/>
+          </p:cNvSpPr>
+          <p:nvPr>
+            <p:ph type="title"/>
+          </p:nvPr>
+        </p:nvSpPr>
         <p:spPr/>
         <p:txBody>
           <a:bodyPr/>
@@ -14856,7 +15193,7 @@
 </p:sld>
 </file>
 
-<file path=ppt/slides/slide35.xml><?xml version="1.0" encoding="utf-8"?>
+<file path=ppt/slides/slide36.xml><?xml version="1.0" encoding="utf-8"?>
 <p:sld xmlns:a="http://schemas.openxmlformats.org/drawingml/2006/main" xmlns:r="http://schemas.openxmlformats.org/officeDocument/2006/relationships" xmlns:p="http://schemas.openxmlformats.org/presentationml/2006/main">
   <p:cSld>
     <p:spTree>
@@ -14940,7 +15277,7 @@
 </p:sld>
 </file>
 
-<file path=ppt/slides/slide36.xml><?xml version="1.0" encoding="utf-8"?>
+<file path=ppt/slides/slide37.xml><?xml version="1.0" encoding="utf-8"?>
 <p:sld xmlns:a="http://schemas.openxmlformats.org/drawingml/2006/main" xmlns:r="http://schemas.openxmlformats.org/officeDocument/2006/relationships" xmlns:p="http://schemas.openxmlformats.org/presentationml/2006/main">
   <p:cSld>
     <p:spTree>
@@ -15090,6 +15427,321 @@
     <p:extLst>
       <p:ext uri="{BB962C8B-B14F-4D97-AF65-F5344CB8AC3E}">
         <p14:creationId xmlns:p14="http://schemas.microsoft.com/office/powerpoint/2010/main" val="3906589516"/>
+      </p:ext>
+    </p:extLst>
+  </p:cSld>
+  <p:clrMapOvr>
+    <a:masterClrMapping/>
+  </p:clrMapOvr>
+</p:sld>
+</file>
+
+<file path=ppt/slides/slide38.xml><?xml version="1.0" encoding="utf-8"?>
+<p:sld xmlns:a="http://schemas.openxmlformats.org/drawingml/2006/main" xmlns:r="http://schemas.openxmlformats.org/officeDocument/2006/relationships" xmlns:p="http://schemas.openxmlformats.org/presentationml/2006/main">
+  <p:cSld>
+    <p:spTree>
+      <p:nvGrpSpPr>
+        <p:cNvPr id="1" name=""/>
+        <p:cNvGrpSpPr/>
+        <p:nvPr/>
+      </p:nvGrpSpPr>
+      <p:grpSpPr>
+        <a:xfrm>
+          <a:off x="0" y="0"/>
+          <a:ext cx="0" cy="0"/>
+          <a:chOff x="0" y="0"/>
+          <a:chExt cx="0" cy="0"/>
+        </a:xfrm>
+      </p:grpSpPr>
+      <p:sp>
+        <p:nvSpPr>
+          <p:cNvPr id="2" name="제목 1">
+            <a:extLst>
+              <a:ext uri="{FF2B5EF4-FFF2-40B4-BE49-F238E27FC236}">
+                <a16:creationId xmlns:a16="http://schemas.microsoft.com/office/drawing/2014/main" id="{87F6DCD6-4F36-4E6A-A7CC-6F0E69D0F6DD}"/>
+              </a:ext>
+            </a:extLst>
+          </p:cNvPr>
+          <p:cNvSpPr>
+            <a:spLocks noGrp="1"/>
+          </p:cNvSpPr>
+          <p:nvPr>
+            <p:ph type="title"/>
+          </p:nvPr>
+        </p:nvSpPr>
+        <p:spPr/>
+        <p:txBody>
+          <a:bodyPr/>
+          <a:lstStyle/>
+          <a:p>
+            <a:r>
+              <a:rPr lang="en-US" altLang="ko-KR"/>
+              <a:t>Content</a:t>
+            </a:r>
+            <a:r>
+              <a:rPr lang="ko-KR" altLang="en-US"/>
+              <a:t> </a:t>
+            </a:r>
+            <a:r>
+              <a:rPr lang="en-US" altLang="ko-KR"/>
+              <a:t>:</a:t>
+            </a:r>
+            <a:r>
+              <a:rPr lang="ko-KR" altLang="en-US"/>
+              <a:t> 저그세력</a:t>
+            </a:r>
+          </a:p>
+        </p:txBody>
+      </p:sp>
+      <p:sp>
+        <p:nvSpPr>
+          <p:cNvPr id="3" name="내용 개체 틀 2">
+            <a:extLst>
+              <a:ext uri="{FF2B5EF4-FFF2-40B4-BE49-F238E27FC236}">
+                <a16:creationId xmlns:a16="http://schemas.microsoft.com/office/drawing/2014/main" id="{D4D3A025-312C-4F51-96A9-2DCB50745CDE}"/>
+              </a:ext>
+            </a:extLst>
+          </p:cNvPr>
+          <p:cNvSpPr>
+            <a:spLocks noGrp="1"/>
+          </p:cNvSpPr>
+          <p:nvPr>
+            <p:ph idx="1"/>
+          </p:nvPr>
+        </p:nvSpPr>
+        <p:spPr/>
+        <p:txBody>
+          <a:bodyPr/>
+          <a:lstStyle/>
+          <a:p>
+            <a:r>
+              <a:rPr lang="ko-KR" altLang="en-US"/>
+              <a:t>저그 세력은 시간이 흐를 수록 증가함</a:t>
+            </a:r>
+            <a:r>
+              <a:rPr lang="en-US" altLang="ko-KR"/>
+              <a:t>.</a:t>
+            </a:r>
+          </a:p>
+          <a:p>
+            <a:r>
+              <a:rPr lang="ko-KR" altLang="en-US"/>
+              <a:t>군사 생산을 통해 저그 세력 증가를 저지해야 함</a:t>
+            </a:r>
+            <a:r>
+              <a:rPr lang="en-US" altLang="ko-KR"/>
+              <a:t>.</a:t>
+            </a:r>
+          </a:p>
+          <a:p>
+            <a:r>
+              <a:rPr lang="ko-KR" altLang="en-US"/>
+              <a:t>저그 세력 량에 따른 패널티 존재</a:t>
+            </a:r>
+            <a:r>
+              <a:rPr lang="en-US" altLang="ko-KR"/>
+              <a:t> ex) 1</a:t>
+            </a:r>
+            <a:r>
+              <a:rPr lang="ko-KR" altLang="en-US"/>
+              <a:t>만 이상 </a:t>
+            </a:r>
+            <a:r>
+              <a:rPr lang="en-US" altLang="ko-KR"/>
+              <a:t>&gt; </a:t>
+            </a:r>
+            <a:r>
+              <a:rPr lang="ko-KR" altLang="en-US"/>
+              <a:t>채취량 감소 등</a:t>
+            </a:r>
+            <a:endParaRPr lang="en-US" altLang="ko-KR"/>
+          </a:p>
+          <a:p>
+            <a:endParaRPr lang="ko-KR" altLang="en-US"/>
+          </a:p>
+        </p:txBody>
+      </p:sp>
+    </p:spTree>
+    <p:extLst>
+      <p:ext uri="{BB962C8B-B14F-4D97-AF65-F5344CB8AC3E}">
+        <p14:creationId xmlns:p14="http://schemas.microsoft.com/office/powerpoint/2010/main" val="4123180404"/>
+      </p:ext>
+    </p:extLst>
+  </p:cSld>
+  <p:clrMapOvr>
+    <a:masterClrMapping/>
+  </p:clrMapOvr>
+</p:sld>
+</file>
+
+<file path=ppt/slides/slide39.xml><?xml version="1.0" encoding="utf-8"?>
+<p:sld xmlns:a="http://schemas.openxmlformats.org/drawingml/2006/main" xmlns:r="http://schemas.openxmlformats.org/officeDocument/2006/relationships" xmlns:p="http://schemas.openxmlformats.org/presentationml/2006/main">
+  <p:cSld>
+    <p:spTree>
+      <p:nvGrpSpPr>
+        <p:cNvPr id="1" name=""/>
+        <p:cNvGrpSpPr/>
+        <p:nvPr/>
+      </p:nvGrpSpPr>
+      <p:grpSpPr>
+        <a:xfrm>
+          <a:off x="0" y="0"/>
+          <a:ext cx="0" cy="0"/>
+          <a:chOff x="0" y="0"/>
+          <a:chExt cx="0" cy="0"/>
+        </a:xfrm>
+      </p:grpSpPr>
+      <p:sp>
+        <p:nvSpPr>
+          <p:cNvPr id="2" name="제목 1">
+            <a:extLst>
+              <a:ext uri="{FF2B5EF4-FFF2-40B4-BE49-F238E27FC236}">
+                <a16:creationId xmlns:a16="http://schemas.microsoft.com/office/drawing/2014/main" id="{87F6DCD6-4F36-4E6A-A7CC-6F0E69D0F6DD}"/>
+              </a:ext>
+            </a:extLst>
+          </p:cNvPr>
+          <p:cNvSpPr>
+            <a:spLocks noGrp="1"/>
+          </p:cNvSpPr>
+          <p:nvPr>
+            <p:ph type="title"/>
+          </p:nvPr>
+        </p:nvSpPr>
+        <p:spPr/>
+        <p:txBody>
+          <a:bodyPr/>
+          <a:lstStyle/>
+          <a:p>
+            <a:r>
+              <a:rPr lang="en-US" altLang="ko-KR"/>
+              <a:t>Content</a:t>
+            </a:r>
+            <a:r>
+              <a:rPr lang="ko-KR" altLang="en-US"/>
+              <a:t> </a:t>
+            </a:r>
+            <a:r>
+              <a:rPr lang="en-US" altLang="ko-KR"/>
+              <a:t>:</a:t>
+            </a:r>
+            <a:r>
+              <a:rPr lang="ko-KR" altLang="en-US"/>
+              <a:t> 게임 목적</a:t>
+            </a:r>
+          </a:p>
+        </p:txBody>
+      </p:sp>
+      <p:sp>
+        <p:nvSpPr>
+          <p:cNvPr id="3" name="내용 개체 틀 2">
+            <a:extLst>
+              <a:ext uri="{FF2B5EF4-FFF2-40B4-BE49-F238E27FC236}">
+                <a16:creationId xmlns:a16="http://schemas.microsoft.com/office/drawing/2014/main" id="{D4D3A025-312C-4F51-96A9-2DCB50745CDE}"/>
+              </a:ext>
+            </a:extLst>
+          </p:cNvPr>
+          <p:cNvSpPr>
+            <a:spLocks noGrp="1"/>
+          </p:cNvSpPr>
+          <p:nvPr>
+            <p:ph idx="1"/>
+          </p:nvPr>
+        </p:nvSpPr>
+        <p:spPr/>
+        <p:txBody>
+          <a:bodyPr/>
+          <a:lstStyle/>
+          <a:p>
+            <a:r>
+              <a:rPr lang="ko-KR" altLang="en-US"/>
+              <a:t>더 좋은 장비 획득 </a:t>
+            </a:r>
+            <a:r>
+              <a:rPr lang="en-US" altLang="ko-KR"/>
+              <a:t>: </a:t>
+            </a:r>
+            <a:r>
+              <a:rPr lang="ko-KR" altLang="en-US"/>
+              <a:t>등급별 </a:t>
+            </a:r>
+            <a:r>
+              <a:rPr lang="en-US" altLang="ko-KR"/>
+              <a:t>SCV (</a:t>
+            </a:r>
+            <a:r>
+              <a:rPr lang="ko-KR" altLang="en-US"/>
+              <a:t>총 다섯 등급</a:t>
+            </a:r>
+            <a:r>
+              <a:rPr lang="en-US" altLang="ko-KR"/>
+              <a:t> : </a:t>
+            </a:r>
+            <a:r>
+              <a:rPr lang="ko-KR" altLang="en-US"/>
+              <a:t>일반</a:t>
+            </a:r>
+            <a:r>
+              <a:rPr lang="en-US" altLang="ko-KR"/>
+              <a:t>/</a:t>
+            </a:r>
+            <a:r>
+              <a:rPr lang="ko-KR" altLang="en-US"/>
+              <a:t>고급</a:t>
+            </a:r>
+            <a:r>
+              <a:rPr lang="en-US" altLang="ko-KR"/>
+              <a:t>/</a:t>
+            </a:r>
+            <a:r>
+              <a:rPr lang="ko-KR" altLang="en-US"/>
+              <a:t>희귀</a:t>
+            </a:r>
+            <a:r>
+              <a:rPr lang="en-US" altLang="ko-KR"/>
+              <a:t>/</a:t>
+            </a:r>
+            <a:r>
+              <a:rPr lang="ko-KR" altLang="en-US"/>
+              <a:t>영웅</a:t>
+            </a:r>
+            <a:r>
+              <a:rPr lang="en-US" altLang="ko-KR"/>
+              <a:t>/</a:t>
+            </a:r>
+            <a:r>
+              <a:rPr lang="ko-KR" altLang="en-US"/>
+              <a:t>전설</a:t>
+            </a:r>
+            <a:r>
+              <a:rPr lang="en-US" altLang="ko-KR"/>
+              <a:t>)</a:t>
+            </a:r>
+          </a:p>
+          <a:p>
+            <a:r>
+              <a:rPr lang="ko-KR" altLang="en-US"/>
+              <a:t>장비 부품 강화 </a:t>
+            </a:r>
+            <a:r>
+              <a:rPr lang="en-US" altLang="ko-KR"/>
+              <a:t>: </a:t>
+            </a:r>
+            <a:r>
+              <a:rPr lang="ko-KR" altLang="en-US"/>
+              <a:t>레벨업</a:t>
+            </a:r>
+            <a:r>
+              <a:rPr lang="en-US" altLang="ko-KR"/>
+              <a:t>(</a:t>
+            </a:r>
+            <a:endParaRPr lang="ko-KR" altLang="en-US"/>
+          </a:p>
+        </p:txBody>
+      </p:sp>
+    </p:spTree>
+    <p:extLst>
+      <p:ext uri="{BB962C8B-B14F-4D97-AF65-F5344CB8AC3E}">
+        <p14:creationId xmlns:p14="http://schemas.microsoft.com/office/powerpoint/2010/main" val="3210925938"/>
       </p:ext>
     </p:extLst>
   </p:cSld>
